--- a/carlos/Arquitectura de diseño de programacion.pptx
+++ b/carlos/Arquitectura de diseño de programacion.pptx
@@ -4,6 +4,9 @@
   <p:sldMasterIdLst>
     <p:sldMasterId id="2147483648" r:id="rId1"/>
   </p:sldMasterIdLst>
+  <p:notesMasterIdLst>
+    <p:notesMasterId r:id="rId16"/>
+  </p:notesMasterIdLst>
   <p:sldIdLst>
     <p:sldId id="256" r:id="rId2"/>
     <p:sldId id="257" r:id="rId3"/>
@@ -117,6 +120,11 @@
       </a:defRPr>
     </a:lvl9pPr>
   </p:defaultTextStyle>
+  <p:extLst>
+    <p:ext uri="{EFAFB233-063F-42B5-8137-9DF3F51BA10A}">
+      <p15:sldGuideLst xmlns:p15="http://schemas.microsoft.com/office/powerpoint/2012/main"/>
+    </p:ext>
+  </p:extLst>
 </p:presentation>
 </file>
 
@@ -2202,7 +2210,7 @@
   <dgm:whole/>
   <dgm:extLst>
     <a:ext uri="http://schemas.microsoft.com/office/drawing/2008/diagram">
-      <dsp:dataModelExt xmlns:dsp="http://schemas.microsoft.com/office/drawing/2008/diagram" relId="rId6" minVer="http://schemas.openxmlformats.org/drawingml/2006/diagram"/>
+      <dsp:dataModelExt xmlns:dsp="http://schemas.microsoft.com/office/drawing/2008/diagram" relId="rId7" minVer="http://schemas.openxmlformats.org/drawingml/2006/diagram"/>
     </a:ext>
   </dgm:extLst>
 </dgm:dataModel>
@@ -6266,6 +6274,440 @@
 </dgm:styleDef>
 </file>
 
+<file path=ppt/notesMasters/notesMaster1.xml><?xml version="1.0" encoding="utf-8"?>
+<p:notesMaster xmlns:a="http://schemas.openxmlformats.org/drawingml/2006/main" xmlns:r="http://schemas.openxmlformats.org/officeDocument/2006/relationships" xmlns:p="http://schemas.openxmlformats.org/presentationml/2006/main">
+  <p:cSld>
+    <p:bg>
+      <p:bgRef idx="1001">
+        <a:schemeClr val="bg1"/>
+      </p:bgRef>
+    </p:bg>
+    <p:spTree>
+      <p:nvGrpSpPr>
+        <p:cNvPr id="1" name=""/>
+        <p:cNvGrpSpPr/>
+        <p:nvPr/>
+      </p:nvGrpSpPr>
+      <p:grpSpPr>
+        <a:xfrm>
+          <a:off x="0" y="0"/>
+          <a:ext cx="0" cy="0"/>
+          <a:chOff x="0" y="0"/>
+          <a:chExt cx="0" cy="0"/>
+        </a:xfrm>
+      </p:grpSpPr>
+      <p:sp>
+        <p:nvSpPr>
+          <p:cNvPr id="2" name="Marcador de encabezado 1"/>
+          <p:cNvSpPr>
+            <a:spLocks noGrp="1"/>
+          </p:cNvSpPr>
+          <p:nvPr>
+            <p:ph type="hdr" sz="quarter"/>
+          </p:nvPr>
+        </p:nvSpPr>
+        <p:spPr>
+          <a:xfrm>
+            <a:off x="0" y="0"/>
+            <a:ext cx="2971800" cy="458788"/>
+          </a:xfrm>
+          <a:prstGeom prst="rect">
+            <a:avLst/>
+          </a:prstGeom>
+        </p:spPr>
+        <p:txBody>
+          <a:bodyPr vert="horz" lIns="91440" tIns="45720" rIns="91440" bIns="45720" rtlCol="0"/>
+          <a:lstStyle>
+            <a:lvl1pPr algn="l">
+              <a:defRPr sz="1200"/>
+            </a:lvl1pPr>
+          </a:lstStyle>
+          <a:p>
+            <a:endParaRPr lang="es-CO"/>
+          </a:p>
+        </p:txBody>
+      </p:sp>
+      <p:sp>
+        <p:nvSpPr>
+          <p:cNvPr id="3" name="Marcador de fecha 2"/>
+          <p:cNvSpPr>
+            <a:spLocks noGrp="1"/>
+          </p:cNvSpPr>
+          <p:nvPr>
+            <p:ph type="dt" idx="1"/>
+          </p:nvPr>
+        </p:nvSpPr>
+        <p:spPr>
+          <a:xfrm>
+            <a:off x="3884613" y="0"/>
+            <a:ext cx="2971800" cy="458788"/>
+          </a:xfrm>
+          <a:prstGeom prst="rect">
+            <a:avLst/>
+          </a:prstGeom>
+        </p:spPr>
+        <p:txBody>
+          <a:bodyPr vert="horz" lIns="91440" tIns="45720" rIns="91440" bIns="45720" rtlCol="0"/>
+          <a:lstStyle>
+            <a:lvl1pPr algn="r">
+              <a:defRPr sz="1200"/>
+            </a:lvl1pPr>
+          </a:lstStyle>
+          <a:p>
+            <a:fld id="{0FB39FF9-DC70-47EF-9A12-03CD10829EA7}" type="datetimeFigureOut">
+              <a:rPr lang="es-CO" smtClean="0"/>
+              <a:t>21/02/2025</a:t>
+            </a:fld>
+            <a:endParaRPr lang="es-CO"/>
+          </a:p>
+        </p:txBody>
+      </p:sp>
+      <p:sp>
+        <p:nvSpPr>
+          <p:cNvPr id="4" name="Marcador de imagen de diapositiva 3"/>
+          <p:cNvSpPr>
+            <a:spLocks noGrp="1" noRot="1" noChangeAspect="1"/>
+          </p:cNvSpPr>
+          <p:nvPr>
+            <p:ph type="sldImg" idx="2"/>
+          </p:nvPr>
+        </p:nvSpPr>
+        <p:spPr>
+          <a:xfrm>
+            <a:off x="685800" y="1143000"/>
+            <a:ext cx="5486400" cy="3086100"/>
+          </a:xfrm>
+          <a:prstGeom prst="rect">
+            <a:avLst/>
+          </a:prstGeom>
+          <a:noFill/>
+          <a:ln w="12700">
+            <a:solidFill>
+              <a:prstClr val="black"/>
+            </a:solidFill>
+          </a:ln>
+        </p:spPr>
+        <p:txBody>
+          <a:bodyPr vert="horz" lIns="91440" tIns="45720" rIns="91440" bIns="45720" rtlCol="0" anchor="ctr"/>
+          <a:lstStyle/>
+          <a:p>
+            <a:endParaRPr lang="es-CO"/>
+          </a:p>
+        </p:txBody>
+      </p:sp>
+      <p:sp>
+        <p:nvSpPr>
+          <p:cNvPr id="5" name="Marcador de notas 4"/>
+          <p:cNvSpPr>
+            <a:spLocks noGrp="1"/>
+          </p:cNvSpPr>
+          <p:nvPr>
+            <p:ph type="body" sz="quarter" idx="3"/>
+          </p:nvPr>
+        </p:nvSpPr>
+        <p:spPr>
+          <a:xfrm>
+            <a:off x="685800" y="4400550"/>
+            <a:ext cx="5486400" cy="3600450"/>
+          </a:xfrm>
+          <a:prstGeom prst="rect">
+            <a:avLst/>
+          </a:prstGeom>
+        </p:spPr>
+        <p:txBody>
+          <a:bodyPr vert="horz" lIns="91440" tIns="45720" rIns="91440" bIns="45720" rtlCol="0"/>
+          <a:lstStyle/>
+          <a:p>
+            <a:pPr lvl="0"/>
+            <a:r>
+              <a:rPr lang="es-ES"/>
+              <a:t>Haga clic para modificar los estilos de texto del patrón</a:t>
+            </a:r>
+          </a:p>
+          <a:p>
+            <a:pPr lvl="1"/>
+            <a:r>
+              <a:rPr lang="es-ES"/>
+              <a:t>Segundo nivel</a:t>
+            </a:r>
+          </a:p>
+          <a:p>
+            <a:pPr lvl="2"/>
+            <a:r>
+              <a:rPr lang="es-ES"/>
+              <a:t>Tercer nivel</a:t>
+            </a:r>
+          </a:p>
+          <a:p>
+            <a:pPr lvl="3"/>
+            <a:r>
+              <a:rPr lang="es-ES"/>
+              <a:t>Cuarto nivel</a:t>
+            </a:r>
+          </a:p>
+          <a:p>
+            <a:pPr lvl="4"/>
+            <a:r>
+              <a:rPr lang="es-ES"/>
+              <a:t>Quinto nivel</a:t>
+            </a:r>
+            <a:endParaRPr lang="es-CO"/>
+          </a:p>
+        </p:txBody>
+      </p:sp>
+      <p:sp>
+        <p:nvSpPr>
+          <p:cNvPr id="6" name="Marcador de pie de página 5"/>
+          <p:cNvSpPr>
+            <a:spLocks noGrp="1"/>
+          </p:cNvSpPr>
+          <p:nvPr>
+            <p:ph type="ftr" sz="quarter" idx="4"/>
+          </p:nvPr>
+        </p:nvSpPr>
+        <p:spPr>
+          <a:xfrm>
+            <a:off x="0" y="8685213"/>
+            <a:ext cx="2971800" cy="458787"/>
+          </a:xfrm>
+          <a:prstGeom prst="rect">
+            <a:avLst/>
+          </a:prstGeom>
+        </p:spPr>
+        <p:txBody>
+          <a:bodyPr vert="horz" lIns="91440" tIns="45720" rIns="91440" bIns="45720" rtlCol="0" anchor="b"/>
+          <a:lstStyle>
+            <a:lvl1pPr algn="l">
+              <a:defRPr sz="1200"/>
+            </a:lvl1pPr>
+          </a:lstStyle>
+          <a:p>
+            <a:endParaRPr lang="es-CO"/>
+          </a:p>
+        </p:txBody>
+      </p:sp>
+      <p:sp>
+        <p:nvSpPr>
+          <p:cNvPr id="7" name="Marcador de número de diapositiva 6"/>
+          <p:cNvSpPr>
+            <a:spLocks noGrp="1"/>
+          </p:cNvSpPr>
+          <p:nvPr>
+            <p:ph type="sldNum" sz="quarter" idx="5"/>
+          </p:nvPr>
+        </p:nvSpPr>
+        <p:spPr>
+          <a:xfrm>
+            <a:off x="3884613" y="8685213"/>
+            <a:ext cx="2971800" cy="458787"/>
+          </a:xfrm>
+          <a:prstGeom prst="rect">
+            <a:avLst/>
+          </a:prstGeom>
+        </p:spPr>
+        <p:txBody>
+          <a:bodyPr vert="horz" lIns="91440" tIns="45720" rIns="91440" bIns="45720" rtlCol="0" anchor="b"/>
+          <a:lstStyle>
+            <a:lvl1pPr algn="r">
+              <a:defRPr sz="1200"/>
+            </a:lvl1pPr>
+          </a:lstStyle>
+          <a:p>
+            <a:fld id="{12B1BE10-D383-4AD7-93F7-3874FDC4848A}" type="slidenum">
+              <a:rPr lang="es-CO" smtClean="0"/>
+              <a:t>‹Nº›</a:t>
+            </a:fld>
+            <a:endParaRPr lang="es-CO"/>
+          </a:p>
+        </p:txBody>
+      </p:sp>
+    </p:spTree>
+    <p:extLst>
+      <p:ext uri="{BB962C8B-B14F-4D97-AF65-F5344CB8AC3E}">
+        <p14:creationId xmlns:p14="http://schemas.microsoft.com/office/powerpoint/2010/main" val="785338117"/>
+      </p:ext>
+    </p:extLst>
+  </p:cSld>
+  <p:clrMap bg1="lt1" tx1="dk1" bg2="lt2" tx2="dk2" accent1="accent1" accent2="accent2" accent3="accent3" accent4="accent4" accent5="accent5" accent6="accent6" hlink="hlink" folHlink="folHlink"/>
+  <p:notesStyle>
+    <a:lvl1pPr marL="0" algn="l" defTabSz="914400" rtl="0" eaLnBrk="1" latinLnBrk="0" hangingPunct="1">
+      <a:defRPr sz="1200" kern="1200">
+        <a:solidFill>
+          <a:schemeClr val="tx1"/>
+        </a:solidFill>
+        <a:latin typeface="+mn-lt"/>
+        <a:ea typeface="+mn-ea"/>
+        <a:cs typeface="+mn-cs"/>
+      </a:defRPr>
+    </a:lvl1pPr>
+    <a:lvl2pPr marL="457200" algn="l" defTabSz="914400" rtl="0" eaLnBrk="1" latinLnBrk="0" hangingPunct="1">
+      <a:defRPr sz="1200" kern="1200">
+        <a:solidFill>
+          <a:schemeClr val="tx1"/>
+        </a:solidFill>
+        <a:latin typeface="+mn-lt"/>
+        <a:ea typeface="+mn-ea"/>
+        <a:cs typeface="+mn-cs"/>
+      </a:defRPr>
+    </a:lvl2pPr>
+    <a:lvl3pPr marL="914400" algn="l" defTabSz="914400" rtl="0" eaLnBrk="1" latinLnBrk="0" hangingPunct="1">
+      <a:defRPr sz="1200" kern="1200">
+        <a:solidFill>
+          <a:schemeClr val="tx1"/>
+        </a:solidFill>
+        <a:latin typeface="+mn-lt"/>
+        <a:ea typeface="+mn-ea"/>
+        <a:cs typeface="+mn-cs"/>
+      </a:defRPr>
+    </a:lvl3pPr>
+    <a:lvl4pPr marL="1371600" algn="l" defTabSz="914400" rtl="0" eaLnBrk="1" latinLnBrk="0" hangingPunct="1">
+      <a:defRPr sz="1200" kern="1200">
+        <a:solidFill>
+          <a:schemeClr val="tx1"/>
+        </a:solidFill>
+        <a:latin typeface="+mn-lt"/>
+        <a:ea typeface="+mn-ea"/>
+        <a:cs typeface="+mn-cs"/>
+      </a:defRPr>
+    </a:lvl4pPr>
+    <a:lvl5pPr marL="1828800" algn="l" defTabSz="914400" rtl="0" eaLnBrk="1" latinLnBrk="0" hangingPunct="1">
+      <a:defRPr sz="1200" kern="1200">
+        <a:solidFill>
+          <a:schemeClr val="tx1"/>
+        </a:solidFill>
+        <a:latin typeface="+mn-lt"/>
+        <a:ea typeface="+mn-ea"/>
+        <a:cs typeface="+mn-cs"/>
+      </a:defRPr>
+    </a:lvl5pPr>
+    <a:lvl6pPr marL="2286000" algn="l" defTabSz="914400" rtl="0" eaLnBrk="1" latinLnBrk="0" hangingPunct="1">
+      <a:defRPr sz="1200" kern="1200">
+        <a:solidFill>
+          <a:schemeClr val="tx1"/>
+        </a:solidFill>
+        <a:latin typeface="+mn-lt"/>
+        <a:ea typeface="+mn-ea"/>
+        <a:cs typeface="+mn-cs"/>
+      </a:defRPr>
+    </a:lvl6pPr>
+    <a:lvl7pPr marL="2743200" algn="l" defTabSz="914400" rtl="0" eaLnBrk="1" latinLnBrk="0" hangingPunct="1">
+      <a:defRPr sz="1200" kern="1200">
+        <a:solidFill>
+          <a:schemeClr val="tx1"/>
+        </a:solidFill>
+        <a:latin typeface="+mn-lt"/>
+        <a:ea typeface="+mn-ea"/>
+        <a:cs typeface="+mn-cs"/>
+      </a:defRPr>
+    </a:lvl7pPr>
+    <a:lvl8pPr marL="3200400" algn="l" defTabSz="914400" rtl="0" eaLnBrk="1" latinLnBrk="0" hangingPunct="1">
+      <a:defRPr sz="1200" kern="1200">
+        <a:solidFill>
+          <a:schemeClr val="tx1"/>
+        </a:solidFill>
+        <a:latin typeface="+mn-lt"/>
+        <a:ea typeface="+mn-ea"/>
+        <a:cs typeface="+mn-cs"/>
+      </a:defRPr>
+    </a:lvl8pPr>
+    <a:lvl9pPr marL="3657600" algn="l" defTabSz="914400" rtl="0" eaLnBrk="1" latinLnBrk="0" hangingPunct="1">
+      <a:defRPr sz="1200" kern="1200">
+        <a:solidFill>
+          <a:schemeClr val="tx1"/>
+        </a:solidFill>
+        <a:latin typeface="+mn-lt"/>
+        <a:ea typeface="+mn-ea"/>
+        <a:cs typeface="+mn-cs"/>
+      </a:defRPr>
+    </a:lvl9pPr>
+  </p:notesStyle>
+</p:notesMaster>
+</file>
+
+<file path=ppt/notesSlides/notesSlide1.xml><?xml version="1.0" encoding="utf-8"?>
+<p:notes xmlns:a="http://schemas.openxmlformats.org/drawingml/2006/main" xmlns:r="http://schemas.openxmlformats.org/officeDocument/2006/relationships" xmlns:p="http://schemas.openxmlformats.org/presentationml/2006/main">
+  <p:cSld>
+    <p:spTree>
+      <p:nvGrpSpPr>
+        <p:cNvPr id="1" name=""/>
+        <p:cNvGrpSpPr/>
+        <p:nvPr/>
+      </p:nvGrpSpPr>
+      <p:grpSpPr>
+        <a:xfrm>
+          <a:off x="0" y="0"/>
+          <a:ext cx="0" cy="0"/>
+          <a:chOff x="0" y="0"/>
+          <a:chExt cx="0" cy="0"/>
+        </a:xfrm>
+      </p:grpSpPr>
+      <p:sp>
+        <p:nvSpPr>
+          <p:cNvPr id="2" name="Marcador de imagen de diapositiva 1"/>
+          <p:cNvSpPr>
+            <a:spLocks noGrp="1" noRot="1" noChangeAspect="1"/>
+          </p:cNvSpPr>
+          <p:nvPr>
+            <p:ph type="sldImg"/>
+          </p:nvPr>
+        </p:nvSpPr>
+        <p:spPr/>
+      </p:sp>
+      <p:sp>
+        <p:nvSpPr>
+          <p:cNvPr id="3" name="Marcador de notas 2"/>
+          <p:cNvSpPr>
+            <a:spLocks noGrp="1"/>
+          </p:cNvSpPr>
+          <p:nvPr>
+            <p:ph type="body" idx="1"/>
+          </p:nvPr>
+        </p:nvSpPr>
+        <p:spPr/>
+        <p:txBody>
+          <a:bodyPr/>
+          <a:lstStyle/>
+          <a:p>
+            <a:endParaRPr lang="es-CO" dirty="0"/>
+          </a:p>
+        </p:txBody>
+      </p:sp>
+      <p:sp>
+        <p:nvSpPr>
+          <p:cNvPr id="4" name="Marcador de número de diapositiva 3"/>
+          <p:cNvSpPr>
+            <a:spLocks noGrp="1"/>
+          </p:cNvSpPr>
+          <p:nvPr>
+            <p:ph type="sldNum" sz="quarter" idx="5"/>
+          </p:nvPr>
+        </p:nvSpPr>
+        <p:spPr/>
+        <p:txBody>
+          <a:bodyPr/>
+          <a:lstStyle/>
+          <a:p>
+            <a:fld id="{12B1BE10-D383-4AD7-93F7-3874FDC4848A}" type="slidenum">
+              <a:rPr lang="es-CO" smtClean="0"/>
+              <a:t>2</a:t>
+            </a:fld>
+            <a:endParaRPr lang="es-CO"/>
+          </a:p>
+        </p:txBody>
+      </p:sp>
+    </p:spTree>
+    <p:extLst>
+      <p:ext uri="{BB962C8B-B14F-4D97-AF65-F5344CB8AC3E}">
+        <p14:creationId xmlns:p14="http://schemas.microsoft.com/office/powerpoint/2010/main" val="774759887"/>
+      </p:ext>
+    </p:extLst>
+  </p:cSld>
+  <p:clrMapOvr>
+    <a:masterClrMapping/>
+  </p:clrMapOvr>
+</p:notes>
+</file>
+
 <file path=ppt/slideLayouts/slideLayout1.xml><?xml version="1.0" encoding="utf-8"?>
 <p:sldLayout xmlns:a="http://schemas.openxmlformats.org/drawingml/2006/main" xmlns:r="http://schemas.openxmlformats.org/officeDocument/2006/relationships" xmlns:p="http://schemas.openxmlformats.org/presentationml/2006/main" type="title" preserve="1">
   <p:cSld name="Diapositiva de título">
@@ -6415,7 +6857,7 @@
           <a:p>
             <a:fld id="{FB512623-54C2-4DEA-A5AF-4CFCE58EC541}" type="datetimeFigureOut">
               <a:rPr lang="es-CO" smtClean="0"/>
-              <a:t>19/02/2025</a:t>
+              <a:t>21/02/2025</a:t>
             </a:fld>
             <a:endParaRPr lang="es-CO"/>
           </a:p>
@@ -6615,7 +7057,7 @@
           <a:p>
             <a:fld id="{FB512623-54C2-4DEA-A5AF-4CFCE58EC541}" type="datetimeFigureOut">
               <a:rPr lang="es-CO" smtClean="0"/>
-              <a:t>19/02/2025</a:t>
+              <a:t>21/02/2025</a:t>
             </a:fld>
             <a:endParaRPr lang="es-CO"/>
           </a:p>
@@ -6825,7 +7267,7 @@
           <a:p>
             <a:fld id="{FB512623-54C2-4DEA-A5AF-4CFCE58EC541}" type="datetimeFigureOut">
               <a:rPr lang="es-CO" smtClean="0"/>
-              <a:t>19/02/2025</a:t>
+              <a:t>21/02/2025</a:t>
             </a:fld>
             <a:endParaRPr lang="es-CO"/>
           </a:p>
@@ -7025,7 +7467,7 @@
           <a:p>
             <a:fld id="{FB512623-54C2-4DEA-A5AF-4CFCE58EC541}" type="datetimeFigureOut">
               <a:rPr lang="es-CO" smtClean="0"/>
-              <a:t>19/02/2025</a:t>
+              <a:t>21/02/2025</a:t>
             </a:fld>
             <a:endParaRPr lang="es-CO"/>
           </a:p>
@@ -7301,7 +7743,7 @@
           <a:p>
             <a:fld id="{FB512623-54C2-4DEA-A5AF-4CFCE58EC541}" type="datetimeFigureOut">
               <a:rPr lang="es-CO" smtClean="0"/>
-              <a:t>19/02/2025</a:t>
+              <a:t>21/02/2025</a:t>
             </a:fld>
             <a:endParaRPr lang="es-CO"/>
           </a:p>
@@ -7569,7 +8011,7 @@
           <a:p>
             <a:fld id="{FB512623-54C2-4DEA-A5AF-4CFCE58EC541}" type="datetimeFigureOut">
               <a:rPr lang="es-CO" smtClean="0"/>
-              <a:t>19/02/2025</a:t>
+              <a:t>21/02/2025</a:t>
             </a:fld>
             <a:endParaRPr lang="es-CO"/>
           </a:p>
@@ -7984,7 +8426,7 @@
           <a:p>
             <a:fld id="{FB512623-54C2-4DEA-A5AF-4CFCE58EC541}" type="datetimeFigureOut">
               <a:rPr lang="es-CO" smtClean="0"/>
-              <a:t>19/02/2025</a:t>
+              <a:t>21/02/2025</a:t>
             </a:fld>
             <a:endParaRPr lang="es-CO"/>
           </a:p>
@@ -8126,7 +8568,7 @@
           <a:p>
             <a:fld id="{FB512623-54C2-4DEA-A5AF-4CFCE58EC541}" type="datetimeFigureOut">
               <a:rPr lang="es-CO" smtClean="0"/>
-              <a:t>19/02/2025</a:t>
+              <a:t>21/02/2025</a:t>
             </a:fld>
             <a:endParaRPr lang="es-CO"/>
           </a:p>
@@ -8239,7 +8681,7 @@
           <a:p>
             <a:fld id="{FB512623-54C2-4DEA-A5AF-4CFCE58EC541}" type="datetimeFigureOut">
               <a:rPr lang="es-CO" smtClean="0"/>
-              <a:t>19/02/2025</a:t>
+              <a:t>21/02/2025</a:t>
             </a:fld>
             <a:endParaRPr lang="es-CO"/>
           </a:p>
@@ -8552,7 +8994,7 @@
           <a:p>
             <a:fld id="{FB512623-54C2-4DEA-A5AF-4CFCE58EC541}" type="datetimeFigureOut">
               <a:rPr lang="es-CO" smtClean="0"/>
-              <a:t>19/02/2025</a:t>
+              <a:t>21/02/2025</a:t>
             </a:fld>
             <a:endParaRPr lang="es-CO"/>
           </a:p>
@@ -8841,7 +9283,7 @@
           <a:p>
             <a:fld id="{FB512623-54C2-4DEA-A5AF-4CFCE58EC541}" type="datetimeFigureOut">
               <a:rPr lang="es-CO" smtClean="0"/>
-              <a:t>19/02/2025</a:t>
+              <a:t>21/02/2025</a:t>
             </a:fld>
             <a:endParaRPr lang="es-CO"/>
           </a:p>
@@ -9084,7 +9526,7 @@
           <a:p>
             <a:fld id="{FB512623-54C2-4DEA-A5AF-4CFCE58EC541}" type="datetimeFigureOut">
               <a:rPr lang="es-CO" smtClean="0"/>
-              <a:t>19/02/2025</a:t>
+              <a:t>21/02/2025</a:t>
             </a:fld>
             <a:endParaRPr lang="es-CO"/>
           </a:p>
@@ -10205,13 +10647,13 @@
   <p:clrMapOvr>
     <a:masterClrMapping/>
   </p:clrMapOvr>
-  <mc:AlternateContent xmlns:mc="http://schemas.openxmlformats.org/markup-compatibility/2006">
-    <mc:Choice xmlns:p14="http://schemas.microsoft.com/office/powerpoint/2010/main" Requires="p14">
+  <mc:AlternateContent xmlns:mc="http://schemas.openxmlformats.org/markup-compatibility/2006" xmlns:p14="http://schemas.microsoft.com/office/powerpoint/2010/main">
+    <mc:Choice Requires="p14">
       <p:transition spd="slow" p14:dur="1400">
         <p14:doors dir="vert"/>
       </p:transition>
     </mc:Choice>
-    <mc:Fallback>
+    <mc:Fallback xmlns="">
       <p:transition spd="slow">
         <p:fade/>
       </p:transition>
@@ -10610,13 +11052,13 @@
   <p:clrMapOvr>
     <a:masterClrMapping/>
   </p:clrMapOvr>
-  <mc:AlternateContent xmlns:mc="http://schemas.openxmlformats.org/markup-compatibility/2006">
-    <mc:Choice xmlns:p15="http://schemas.microsoft.com/office/powerpoint/2012/main" Requires="p15">
+  <mc:AlternateContent xmlns:mc="http://schemas.openxmlformats.org/markup-compatibility/2006" xmlns:p15="http://schemas.microsoft.com/office/powerpoint/2012/main">
+    <mc:Choice Requires="p15">
       <p:transition xmlns:p14="http://schemas.microsoft.com/office/powerpoint/2010/main" spd="slow" p14:dur="1250">
         <p15:prstTrans prst="pageCurlDouble"/>
       </p:transition>
     </mc:Choice>
-    <mc:Fallback>
+    <mc:Fallback xmlns="">
       <p:transition spd="slow">
         <p:fade/>
       </p:transition>
@@ -11571,13 +12013,13 @@
   <p:clrMapOvr>
     <a:masterClrMapping/>
   </p:clrMapOvr>
-  <mc:AlternateContent xmlns:mc="http://schemas.openxmlformats.org/markup-compatibility/2006">
-    <mc:Choice xmlns:p15="http://schemas.microsoft.com/office/powerpoint/2012/main" Requires="p15">
+  <mc:AlternateContent xmlns:mc="http://schemas.openxmlformats.org/markup-compatibility/2006" xmlns:p15="http://schemas.microsoft.com/office/powerpoint/2012/main">
+    <mc:Choice Requires="p15">
       <p:transition xmlns:p14="http://schemas.microsoft.com/office/powerpoint/2010/main" spd="slow" p14:dur="1250">
         <p15:prstTrans prst="pageCurlDouble"/>
       </p:transition>
     </mc:Choice>
-    <mc:Fallback>
+    <mc:Fallback xmlns="">
       <p:transition spd="slow">
         <p:fade/>
       </p:transition>
@@ -12010,13 +12452,13 @@
   <p:clrMapOvr>
     <a:masterClrMapping/>
   </p:clrMapOvr>
-  <mc:AlternateContent xmlns:mc="http://schemas.openxmlformats.org/markup-compatibility/2006">
-    <mc:Choice xmlns:p15="http://schemas.microsoft.com/office/powerpoint/2012/main" Requires="p15">
+  <mc:AlternateContent xmlns:mc="http://schemas.openxmlformats.org/markup-compatibility/2006" xmlns:p15="http://schemas.microsoft.com/office/powerpoint/2012/main">
+    <mc:Choice Requires="p15">
       <p:transition xmlns:p14="http://schemas.microsoft.com/office/powerpoint/2010/main" spd="slow" p14:dur="1250">
         <p15:prstTrans prst="pageCurlDouble"/>
       </p:transition>
     </mc:Choice>
-    <mc:Fallback>
+    <mc:Fallback xmlns="">
       <p:transition spd="slow">
         <p:fade/>
       </p:transition>
@@ -12306,13 +12748,13 @@
   <p:clrMapOvr>
     <a:masterClrMapping/>
   </p:clrMapOvr>
-  <mc:AlternateContent xmlns:mc="http://schemas.openxmlformats.org/markup-compatibility/2006">
-    <mc:Choice xmlns:p15="http://schemas.microsoft.com/office/powerpoint/2012/main" Requires="p15">
+  <mc:AlternateContent xmlns:mc="http://schemas.openxmlformats.org/markup-compatibility/2006" xmlns:p15="http://schemas.microsoft.com/office/powerpoint/2012/main">
+    <mc:Choice Requires="p15">
       <p:transition xmlns:p14="http://schemas.microsoft.com/office/powerpoint/2010/main" spd="slow" p14:dur="1250">
         <p15:prstTrans prst="pageCurlDouble"/>
       </p:transition>
     </mc:Choice>
-    <mc:Fallback>
+    <mc:Fallback xmlns="">
       <p:transition spd="slow">
         <p:fade/>
       </p:transition>
@@ -12649,13 +13091,13 @@
   <p:clrMapOvr>
     <a:masterClrMapping/>
   </p:clrMapOvr>
-  <mc:AlternateContent xmlns:mc="http://schemas.openxmlformats.org/markup-compatibility/2006">
-    <mc:Choice xmlns:p15="http://schemas.microsoft.com/office/powerpoint/2012/main" Requires="p15">
+  <mc:AlternateContent xmlns:mc="http://schemas.openxmlformats.org/markup-compatibility/2006" xmlns:p15="http://schemas.microsoft.com/office/powerpoint/2012/main">
+    <mc:Choice Requires="p15">
       <p:transition xmlns:p14="http://schemas.microsoft.com/office/powerpoint/2010/main" spd="slow" p14:dur="1250">
         <p15:prstTrans prst="pageCurlDouble"/>
       </p:transition>
     </mc:Choice>
-    <mc:Fallback>
+    <mc:Fallback xmlns="">
       <p:transition spd="slow">
         <p:fade/>
       </p:transition>
@@ -13057,7 +13499,7 @@
         </p:xfrm>
         <a:graphic>
           <a:graphicData uri="http://schemas.openxmlformats.org/drawingml/2006/diagram">
-            <dgm:relIds xmlns:dgm="http://schemas.openxmlformats.org/drawingml/2006/diagram" xmlns:r="http://schemas.openxmlformats.org/officeDocument/2006/relationships" r:dm="rId2" r:lo="rId3" r:qs="rId4" r:cs="rId5"/>
+            <dgm:relIds xmlns:dgm="http://schemas.openxmlformats.org/drawingml/2006/diagram" xmlns:r="http://schemas.openxmlformats.org/officeDocument/2006/relationships" r:dm="rId3" r:lo="rId4" r:qs="rId5" r:cs="rId6"/>
           </a:graphicData>
         </a:graphic>
       </p:graphicFrame>
@@ -13071,13 +13513,13 @@
   <p:clrMapOvr>
     <a:masterClrMapping/>
   </p:clrMapOvr>
-  <mc:AlternateContent xmlns:mc="http://schemas.openxmlformats.org/markup-compatibility/2006">
-    <mc:Choice xmlns:p15="http://schemas.microsoft.com/office/powerpoint/2012/main" Requires="p15">
+  <mc:AlternateContent xmlns:mc="http://schemas.openxmlformats.org/markup-compatibility/2006" xmlns:p15="http://schemas.microsoft.com/office/powerpoint/2012/main">
+    <mc:Choice Requires="p15">
       <p:transition xmlns:p14="http://schemas.microsoft.com/office/powerpoint/2010/main" spd="slow" p14:dur="1250">
         <p15:prstTrans prst="pageCurlDouble" invX="1"/>
       </p:transition>
     </mc:Choice>
-    <mc:Fallback>
+    <mc:Fallback xmlns="">
       <p:transition spd="slow">
         <p:fade/>
       </p:transition>
@@ -13089,6 +13531,14 @@
 <file path=ppt/slides/slide3.xml><?xml version="1.0" encoding="utf-8"?>
 <p:sld xmlns:a="http://schemas.openxmlformats.org/drawingml/2006/main" xmlns:r="http://schemas.openxmlformats.org/officeDocument/2006/relationships" xmlns:p="http://schemas.openxmlformats.org/presentationml/2006/main">
   <p:cSld>
+    <p:bg>
+      <p:bgPr>
+        <a:solidFill>
+          <a:schemeClr val="bg1"/>
+        </a:solidFill>
+        <a:effectLst/>
+      </p:bgPr>
+    </p:bg>
     <p:spTree>
       <p:nvGrpSpPr>
         <p:cNvPr id="1" name=""/>
@@ -13103,6 +13553,162 @@
           <a:chExt cx="0" cy="0"/>
         </a:xfrm>
       </p:grpSpPr>
+      <p:sp useBgFill="1">
+        <p:nvSpPr>
+          <p:cNvPr id="9" name="Slide Background">
+            <a:extLst>
+              <a:ext uri="{FF2B5EF4-FFF2-40B4-BE49-F238E27FC236}">
+                <a16:creationId xmlns:a16="http://schemas.microsoft.com/office/drawing/2014/main" id="{3ECBE1F1-D69B-4AFA-ABD5-8E41720EF6DE}"/>
+              </a:ext>
+              <a:ext uri="{C183D7F6-B498-43B3-948B-1728B52AA6E4}">
+                <adec:decorative xmlns:adec="http://schemas.microsoft.com/office/drawing/2017/decorative" val="1"/>
+              </a:ext>
+            </a:extLst>
+          </p:cNvPr>
+          <p:cNvSpPr>
+            <a:spLocks noGrp="1" noRot="1" noChangeAspect="1" noMove="1" noResize="1" noEditPoints="1" noAdjustHandles="1" noChangeArrowheads="1" noChangeShapeType="1" noTextEdit="1"/>
+          </p:cNvSpPr>
+          <p:nvPr>
+            <p:extLst>
+              <p:ext uri="{386F3935-93C4-4BCD-93E2-E3B085C9AB24}">
+                <p16:designElem xmlns:p16="http://schemas.microsoft.com/office/powerpoint/2015/main" val="1"/>
+              </p:ext>
+            </p:extLst>
+          </p:nvPr>
+        </p:nvSpPr>
+        <p:spPr>
+          <a:xfrm>
+            <a:off x="0" y="0"/>
+            <a:ext cx="12192000" cy="6858000"/>
+          </a:xfrm>
+          <a:prstGeom prst="rect">
+            <a:avLst/>
+          </a:prstGeom>
+          <a:ln>
+            <a:noFill/>
+          </a:ln>
+        </p:spPr>
+        <p:style>
+          <a:lnRef idx="2">
+            <a:schemeClr val="accent1">
+              <a:shade val="50000"/>
+            </a:schemeClr>
+          </a:lnRef>
+          <a:fillRef idx="1">
+            <a:schemeClr val="accent1"/>
+          </a:fillRef>
+          <a:effectRef idx="0">
+            <a:schemeClr val="accent1"/>
+          </a:effectRef>
+          <a:fontRef idx="minor">
+            <a:schemeClr val="lt1"/>
+          </a:fontRef>
+        </p:style>
+        <p:txBody>
+          <a:bodyPr rtlCol="0" anchor="ctr"/>
+          <a:lstStyle/>
+          <a:p>
+            <a:pPr algn="ctr"/>
+            <a:endParaRPr lang="en-US"/>
+          </a:p>
+        </p:txBody>
+      </p:sp>
+      <p:pic>
+        <p:nvPicPr>
+          <p:cNvPr id="5" name="Picture 4" descr="Cubos conectados con una línea roja">
+            <a:extLst>
+              <a:ext uri="{FF2B5EF4-FFF2-40B4-BE49-F238E27FC236}">
+                <a16:creationId xmlns:a16="http://schemas.microsoft.com/office/drawing/2014/main" id="{B44A6405-2388-AA10-AA04-5B8C409113E3}"/>
+              </a:ext>
+            </a:extLst>
+          </p:cNvPr>
+          <p:cNvPicPr>
+            <a:picLocks noChangeAspect="1"/>
+          </p:cNvPicPr>
+          <p:nvPr/>
+        </p:nvPicPr>
+        <p:blipFill>
+          <a:blip r:embed="rId2"/>
+          <a:srcRect l="25343" r="13912" b="-1"/>
+          <a:stretch/>
+        </p:blipFill>
+        <p:spPr>
+          <a:xfrm>
+            <a:off x="-1" y="-2"/>
+            <a:ext cx="5410198" cy="6858002"/>
+          </a:xfrm>
+          <a:prstGeom prst="rect">
+            <a:avLst/>
+          </a:prstGeom>
+        </p:spPr>
+      </p:pic>
+      <p:sp useBgFill="1">
+        <p:nvSpPr>
+          <p:cNvPr id="11" name="Rectangle 10">
+            <a:extLst>
+              <a:ext uri="{FF2B5EF4-FFF2-40B4-BE49-F238E27FC236}">
+                <a16:creationId xmlns:a16="http://schemas.microsoft.com/office/drawing/2014/main" id="{603A6265-E10C-4B85-9C20-E75FCAF9CC63}"/>
+              </a:ext>
+              <a:ext uri="{C183D7F6-B498-43B3-948B-1728B52AA6E4}">
+                <adec:decorative xmlns:adec="http://schemas.microsoft.com/office/drawing/2017/decorative" val="1"/>
+              </a:ext>
+            </a:extLst>
+          </p:cNvPr>
+          <p:cNvSpPr>
+            <a:spLocks noGrp="1" noRot="1" noChangeAspect="1" noMove="1" noResize="1" noEditPoints="1" noAdjustHandles="1" noChangeArrowheads="1" noChangeShapeType="1" noTextEdit="1"/>
+          </p:cNvSpPr>
+          <p:nvPr>
+            <p:extLst>
+              <p:ext uri="{386F3935-93C4-4BCD-93E2-E3B085C9AB24}">
+                <p16:designElem xmlns:p16="http://schemas.microsoft.com/office/powerpoint/2015/main" val="1"/>
+              </p:ext>
+            </p:extLst>
+          </p:nvPr>
+        </p:nvSpPr>
+        <p:spPr>
+          <a:xfrm>
+            <a:off x="5410197" y="-1"/>
+            <a:ext cx="6781802" cy="2286000"/>
+          </a:xfrm>
+          <a:prstGeom prst="rect">
+            <a:avLst/>
+          </a:prstGeom>
+          <a:ln>
+            <a:noFill/>
+          </a:ln>
+          <a:effectLst>
+            <a:outerShdw blurRad="355600" dist="152400" sx="95000" sy="95000" algn="t" rotWithShape="0">
+              <a:srgbClr val="000000">
+                <a:alpha val="29000"/>
+              </a:srgbClr>
+            </a:outerShdw>
+          </a:effectLst>
+        </p:spPr>
+        <p:style>
+          <a:lnRef idx="2">
+            <a:schemeClr val="accent1">
+              <a:shade val="50000"/>
+            </a:schemeClr>
+          </a:lnRef>
+          <a:fillRef idx="1">
+            <a:schemeClr val="accent1"/>
+          </a:fillRef>
+          <a:effectRef idx="0">
+            <a:schemeClr val="accent1"/>
+          </a:effectRef>
+          <a:fontRef idx="minor">
+            <a:schemeClr val="lt1"/>
+          </a:fontRef>
+        </p:style>
+        <p:txBody>
+          <a:bodyPr rtlCol="0" anchor="ctr"/>
+          <a:lstStyle/>
+          <a:p>
+            <a:pPr algn="ctr"/>
+            <a:endParaRPr lang="en-US"/>
+          </a:p>
+        </p:txBody>
+      </p:sp>
       <p:sp>
         <p:nvSpPr>
           <p:cNvPr id="2" name="Título 1">
@@ -13119,12 +13725,23 @@
             <p:ph type="title"/>
           </p:nvPr>
         </p:nvSpPr>
-        <p:spPr/>
+        <p:spPr>
+          <a:xfrm>
+            <a:off x="6115317" y="405685"/>
+            <a:ext cx="5464968" cy="1559301"/>
+          </a:xfrm>
+        </p:spPr>
         <p:txBody>
-          <a:bodyPr/>
+          <a:bodyPr>
+            <a:normAutofit/>
+          </a:bodyPr>
           <a:lstStyle/>
           <a:p>
-            <a:endParaRPr lang="es-CO" dirty="0"/>
+            <a:r>
+              <a:rPr lang="es-ES" sz="3400"/>
+              <a:t>Diferencias entre arquitectura  y diseño de software</a:t>
+            </a:r>
+            <a:endParaRPr lang="es-CO" sz="3400"/>
           </a:p>
         </p:txBody>
       </p:sp>
@@ -13144,32 +13761,23 @@
             <p:ph idx="1"/>
           </p:nvPr>
         </p:nvSpPr>
-        <p:spPr/>
+        <p:spPr>
+          <a:xfrm>
+            <a:off x="6115317" y="2743200"/>
+            <a:ext cx="5247340" cy="3496878"/>
+          </a:xfrm>
+        </p:spPr>
         <p:txBody>
-          <a:bodyPr/>
+          <a:bodyPr anchor="ctr">
+            <a:normAutofit/>
+          </a:bodyPr>
           <a:lstStyle/>
           <a:p>
             <a:r>
-              <a:rPr lang="es-ES" dirty="0"/>
-              <a:t>Comparativa entre diseño  de arquitectura  y diseño de </a:t>
+              <a:rPr lang="es-ES" sz="2000"/>
+              <a:t>El diseño de arquitectura de software se centra en la estructura general del sistema, priorizando la escalabilidad, seguridad y mantenibilidad a largo plazo.  El diseño de software, por otro lado, se enfoca en la organización interna del código dentro de esa arquitectura, utilizando patrones de diseño para asegurar modularidad, reusabilidad, legibilidad, mantenibilidad y eficiencia.  En resumen: la arquitectura define el "qué" y el diseño de software el "cómo".</a:t>
             </a:r>
-            <a:r>
-              <a:rPr lang="es-ES" dirty="0" err="1"/>
-              <a:t>softwareDiseño</a:t>
-            </a:r>
-            <a:r>
-              <a:rPr lang="es-ES" dirty="0"/>
-              <a:t> de Arquitectura: Se enfoca en la estructura global del Sistema; busca que el sistema sea escalable, seguro y mantenible a largo plazo. Su objetivo es asegurar que el sistema crezca y evolucione sin </a:t>
-            </a:r>
-            <a:r>
-              <a:rPr lang="es-ES" dirty="0" err="1"/>
-              <a:t>problemas.Diseño</a:t>
-            </a:r>
-            <a:r>
-              <a:rPr lang="es-ES" dirty="0"/>
-              <a:t> de Software: Se centra en cómo organizar el código dentro de la arquitectura, utiliza patrones de diseño y asegura que el código sea modular, reusable y fácil de mantener. Se preocupa por detalles como legibilidad, mantenibilidad y eficiencia del código.</a:t>
-            </a:r>
-            <a:endParaRPr lang="es-CO" dirty="0"/>
+            <a:endParaRPr lang="es-CO" sz="2000"/>
           </a:p>
         </p:txBody>
       </p:sp>
@@ -13183,13 +13791,13 @@
   <p:clrMapOvr>
     <a:masterClrMapping/>
   </p:clrMapOvr>
-  <mc:AlternateContent xmlns:mc="http://schemas.openxmlformats.org/markup-compatibility/2006">
-    <mc:Choice xmlns:p14="http://schemas.microsoft.com/office/powerpoint/2010/main" Requires="p14">
+  <mc:AlternateContent xmlns:mc="http://schemas.openxmlformats.org/markup-compatibility/2006" xmlns:p14="http://schemas.microsoft.com/office/powerpoint/2010/main">
+    <mc:Choice Requires="p14">
       <p:transition spd="slow" p14:dur="1200">
         <p14:prism/>
       </p:transition>
     </mc:Choice>
-    <mc:Fallback>
+    <mc:Fallback xmlns="">
       <p:transition spd="slow">
         <p:fade/>
       </p:transition>
@@ -13201,6 +13809,14 @@
 <file path=ppt/slides/slide4.xml><?xml version="1.0" encoding="utf-8"?>
 <p:sld xmlns:a="http://schemas.openxmlformats.org/drawingml/2006/main" xmlns:r="http://schemas.openxmlformats.org/officeDocument/2006/relationships" xmlns:p="http://schemas.openxmlformats.org/presentationml/2006/main">
   <p:cSld>
+    <p:bg>
+      <p:bgPr>
+        <a:solidFill>
+          <a:schemeClr val="bg1"/>
+        </a:solidFill>
+        <a:effectLst/>
+      </p:bgPr>
+    </p:bg>
     <p:spTree>
       <p:nvGrpSpPr>
         <p:cNvPr id="1" name=""/>
@@ -13231,15 +13847,230 @@
             <p:ph type="title"/>
           </p:nvPr>
         </p:nvSpPr>
-        <p:spPr/>
+        <p:spPr>
+          <a:xfrm>
+            <a:off x="6823878" y="741391"/>
+            <a:ext cx="4491821" cy="1616203"/>
+          </a:xfrm>
+        </p:spPr>
         <p:txBody>
-          <a:bodyPr/>
+          <a:bodyPr anchor="b">
+            <a:normAutofit/>
+          </a:bodyPr>
           <a:lstStyle/>
           <a:p>
-            <a:endParaRPr lang="es-CO"/>
+            <a:r>
+              <a:rPr lang="es-ES" sz="3200"/>
+              <a:t>Diferencias clave</a:t>
+            </a:r>
+            <a:endParaRPr lang="es-CO" sz="3200"/>
           </a:p>
         </p:txBody>
       </p:sp>
+      <p:pic>
+        <p:nvPicPr>
+          <p:cNvPr id="15" name="Picture 4" descr="Fondo de tecnología de bloques y redes azules">
+            <a:extLst>
+              <a:ext uri="{FF2B5EF4-FFF2-40B4-BE49-F238E27FC236}">
+                <a16:creationId xmlns:a16="http://schemas.microsoft.com/office/drawing/2014/main" id="{2A32B377-329E-3815-B52D-6E8A2806CDBF}"/>
+              </a:ext>
+            </a:extLst>
+          </p:cNvPr>
+          <p:cNvPicPr>
+            <a:picLocks noChangeAspect="1"/>
+          </p:cNvPicPr>
+          <p:nvPr/>
+        </p:nvPicPr>
+        <p:blipFill>
+          <a:blip r:embed="rId2"/>
+          <a:srcRect l="9545" r="40456" b="-446"/>
+          <a:stretch/>
+        </p:blipFill>
+        <p:spPr>
+          <a:xfrm>
+            <a:off x="20" y="10"/>
+            <a:ext cx="6095980" cy="6857990"/>
+          </a:xfrm>
+          <a:prstGeom prst="rect">
+            <a:avLst/>
+          </a:prstGeom>
+        </p:spPr>
+      </p:pic>
+      <p:grpSp>
+        <p:nvGrpSpPr>
+          <p:cNvPr id="16" name="Group 8">
+            <a:extLst>
+              <a:ext uri="{FF2B5EF4-FFF2-40B4-BE49-F238E27FC236}">
+                <a16:creationId xmlns:a16="http://schemas.microsoft.com/office/drawing/2014/main" id="{5EFBDE31-BB3E-6CFC-23CD-B5976DA38438}"/>
+              </a:ext>
+              <a:ext uri="{C183D7F6-B498-43B3-948B-1728B52AA6E4}">
+                <adec:decorative xmlns:adec="http://schemas.microsoft.com/office/drawing/2017/decorative" val="1"/>
+              </a:ext>
+            </a:extLst>
+          </p:cNvPr>
+          <p:cNvGrpSpPr>
+            <a:grpSpLocks noGrp="1" noUngrp="1" noRot="1" noChangeAspect="1" noMove="1" noResize="1"/>
+          </p:cNvGrpSpPr>
+          <p:nvPr>
+            <p:extLst>
+              <p:ext uri="{386F3935-93C4-4BCD-93E2-E3B085C9AB24}">
+                <p16:designElem xmlns:p16="http://schemas.microsoft.com/office/powerpoint/2015/main" val="1"/>
+              </p:ext>
+            </p:extLst>
+          </p:nvPr>
+        </p:nvGrpSpPr>
+        <p:grpSpPr>
+          <a:xfrm>
+            <a:off x="0" y="0"/>
+            <a:ext cx="123362" cy="6858000"/>
+            <a:chOff x="12068638" y="0"/>
+            <a:chExt cx="123362" cy="6858000"/>
+          </a:xfrm>
+        </p:grpSpPr>
+        <p:sp>
+          <p:nvSpPr>
+            <p:cNvPr id="10" name="Rectangle 9">
+              <a:extLst>
+                <a:ext uri="{FF2B5EF4-FFF2-40B4-BE49-F238E27FC236}">
+                  <a16:creationId xmlns:a16="http://schemas.microsoft.com/office/drawing/2014/main" id="{180A60EC-72BB-121F-556A-E2837FD99A87}"/>
+                </a:ext>
+                <a:ext uri="{C183D7F6-B498-43B3-948B-1728B52AA6E4}">
+                  <adec:decorative xmlns:adec="http://schemas.microsoft.com/office/drawing/2017/decorative" val="1"/>
+                </a:ext>
+              </a:extLst>
+            </p:cNvPr>
+            <p:cNvSpPr/>
+            <p:nvPr>
+              <p:extLst>
+                <p:ext uri="{386F3935-93C4-4BCD-93E2-E3B085C9AB24}">
+                  <p16:designElem xmlns:p16="http://schemas.microsoft.com/office/powerpoint/2015/main" val="1"/>
+                </p:ext>
+              </p:extLst>
+            </p:nvPr>
+          </p:nvSpPr>
+          <p:spPr>
+            <a:xfrm>
+              <a:off x="12068638" y="0"/>
+              <a:ext cx="123362" cy="6858000"/>
+            </a:xfrm>
+            <a:prstGeom prst="rect">
+              <a:avLst/>
+            </a:prstGeom>
+            <a:gradFill>
+              <a:gsLst>
+                <a:gs pos="0">
+                  <a:schemeClr val="accent2"/>
+                </a:gs>
+                <a:gs pos="100000">
+                  <a:schemeClr val="accent5"/>
+                </a:gs>
+              </a:gsLst>
+              <a:lin ang="1800000" scaled="0"/>
+            </a:gradFill>
+            <a:ln>
+              <a:noFill/>
+            </a:ln>
+          </p:spPr>
+          <p:style>
+            <a:lnRef idx="2">
+              <a:schemeClr val="accent1">
+                <a:shade val="50000"/>
+              </a:schemeClr>
+            </a:lnRef>
+            <a:fillRef idx="1">
+              <a:schemeClr val="accent1"/>
+            </a:fillRef>
+            <a:effectRef idx="0">
+              <a:schemeClr val="accent1"/>
+            </a:effectRef>
+            <a:fontRef idx="minor">
+              <a:schemeClr val="lt1"/>
+            </a:fontRef>
+          </p:style>
+          <p:txBody>
+            <a:bodyPr rtlCol="0" anchor="ctr"/>
+            <a:lstStyle/>
+            <a:p>
+              <a:pPr algn="ctr"/>
+              <a:endParaRPr lang="en-US"/>
+            </a:p>
+          </p:txBody>
+        </p:sp>
+        <p:sp>
+          <p:nvSpPr>
+            <p:cNvPr id="17" name="Rectangle 10">
+              <a:extLst>
+                <a:ext uri="{FF2B5EF4-FFF2-40B4-BE49-F238E27FC236}">
+                  <a16:creationId xmlns:a16="http://schemas.microsoft.com/office/drawing/2014/main" id="{F91A2FAE-D41C-FF5D-B0A0-7808248EDC94}"/>
+                </a:ext>
+                <a:ext uri="{C183D7F6-B498-43B3-948B-1728B52AA6E4}">
+                  <adec:decorative xmlns:adec="http://schemas.microsoft.com/office/drawing/2017/decorative" val="1"/>
+                </a:ext>
+              </a:extLst>
+            </p:cNvPr>
+            <p:cNvSpPr/>
+            <p:nvPr>
+              <p:extLst>
+                <p:ext uri="{386F3935-93C4-4BCD-93E2-E3B085C9AB24}">
+                  <p16:designElem xmlns:p16="http://schemas.microsoft.com/office/powerpoint/2015/main" val="1"/>
+                </p:ext>
+              </p:extLst>
+            </p:nvPr>
+          </p:nvSpPr>
+          <p:spPr>
+            <a:xfrm>
+              <a:off x="12068638" y="4139706"/>
+              <a:ext cx="123362" cy="2718294"/>
+            </a:xfrm>
+            <a:prstGeom prst="rect">
+              <a:avLst/>
+            </a:prstGeom>
+            <a:gradFill>
+              <a:gsLst>
+                <a:gs pos="19000">
+                  <a:schemeClr val="accent5">
+                    <a:alpha val="0"/>
+                  </a:schemeClr>
+                </a:gs>
+                <a:gs pos="100000">
+                  <a:schemeClr val="accent5">
+                    <a:lumMod val="60000"/>
+                    <a:lumOff val="40000"/>
+                  </a:schemeClr>
+                </a:gs>
+              </a:gsLst>
+              <a:lin ang="600000" scaled="0"/>
+            </a:gradFill>
+            <a:ln>
+              <a:noFill/>
+            </a:ln>
+          </p:spPr>
+          <p:style>
+            <a:lnRef idx="2">
+              <a:schemeClr val="accent1">
+                <a:shade val="50000"/>
+              </a:schemeClr>
+            </a:lnRef>
+            <a:fillRef idx="1">
+              <a:schemeClr val="accent1"/>
+            </a:fillRef>
+            <a:effectRef idx="0">
+              <a:schemeClr val="accent1"/>
+            </a:effectRef>
+            <a:fontRef idx="minor">
+              <a:schemeClr val="lt1"/>
+            </a:fontRef>
+          </p:style>
+          <p:txBody>
+            <a:bodyPr rtlCol="0" anchor="ctr"/>
+            <a:lstStyle/>
+            <a:p>
+              <a:pPr algn="ctr"/>
+              <a:endParaRPr lang="en-US"/>
+            </a:p>
+          </p:txBody>
+        </p:sp>
+      </p:grpSp>
       <p:sp>
         <p:nvSpPr>
           <p:cNvPr id="3" name="Marcador de contenido 2">
@@ -13256,24 +14087,31 @@
             <p:ph idx="1"/>
           </p:nvPr>
         </p:nvSpPr>
-        <p:spPr/>
+        <p:spPr>
+          <a:xfrm>
+            <a:off x="6823878" y="2533476"/>
+            <a:ext cx="4491820" cy="3447832"/>
+          </a:xfrm>
+        </p:spPr>
         <p:txBody>
-          <a:bodyPr/>
+          <a:bodyPr anchor="t">
+            <a:normAutofit/>
+          </a:bodyPr>
           <a:lstStyle/>
           <a:p>
             <a:r>
-              <a:rPr lang="es-ES" dirty="0"/>
+              <a:rPr lang="es-ES" sz="2000" dirty="0"/>
               <a:t>Diferencias </a:t>
             </a:r>
             <a:r>
-              <a:rPr lang="es-ES" dirty="0" err="1"/>
+              <a:rPr lang="es-ES" sz="2000" dirty="0" err="1"/>
               <a:t>clave:Arquitectura</a:t>
             </a:r>
             <a:r>
-              <a:rPr lang="es-ES" dirty="0"/>
+              <a:rPr lang="es-ES" sz="2000" dirty="0"/>
               <a:t>: Toma decisiones globales y estratégicas (como elegir entre microservicios o monolítica).Diseño de Software: Se enfoca en detalles del código, cómo resolver problemas específicos dentro de la estructura definida.</a:t>
             </a:r>
-            <a:endParaRPr lang="es-CO" dirty="0"/>
+            <a:endParaRPr lang="es-CO" sz="2000" dirty="0"/>
           </a:p>
         </p:txBody>
       </p:sp>
@@ -13287,13 +14125,13 @@
   <p:clrMapOvr>
     <a:masterClrMapping/>
   </p:clrMapOvr>
-  <mc:AlternateContent xmlns:mc="http://schemas.openxmlformats.org/markup-compatibility/2006">
-    <mc:Choice xmlns:p14="http://schemas.microsoft.com/office/powerpoint/2010/main" Requires="p14">
+  <mc:AlternateContent xmlns:mc="http://schemas.openxmlformats.org/markup-compatibility/2006" xmlns:p14="http://schemas.microsoft.com/office/powerpoint/2010/main">
+    <mc:Choice Requires="p14">
       <p:transition spd="slow" p14:dur="1200">
         <p14:prism/>
       </p:transition>
     </mc:Choice>
-    <mc:Fallback>
+    <mc:Fallback xmlns="">
       <p:transition spd="slow">
         <p:fade/>
       </p:transition>
@@ -13305,6 +14143,14 @@
 <file path=ppt/slides/slide5.xml><?xml version="1.0" encoding="utf-8"?>
 <p:sld xmlns:a="http://schemas.openxmlformats.org/drawingml/2006/main" xmlns:r="http://schemas.openxmlformats.org/officeDocument/2006/relationships" xmlns:p="http://schemas.openxmlformats.org/presentationml/2006/main">
   <p:cSld>
+    <p:bg>
+      <p:bgPr>
+        <a:solidFill>
+          <a:schemeClr val="bg1"/>
+        </a:solidFill>
+        <a:effectLst/>
+      </p:bgPr>
+    </p:bg>
     <p:spTree>
       <p:nvGrpSpPr>
         <p:cNvPr id="1" name=""/>
@@ -13321,6 +14167,167 @@
       </p:grpSpPr>
       <p:sp>
         <p:nvSpPr>
+          <p:cNvPr id="62" name="Rectangle 49">
+            <a:extLst>
+              <a:ext uri="{FF2B5EF4-FFF2-40B4-BE49-F238E27FC236}">
+                <a16:creationId xmlns:a16="http://schemas.microsoft.com/office/drawing/2014/main" id="{3301E07F-4F79-4B58-8698-EF24DC1ECDBF}"/>
+              </a:ext>
+              <a:ext uri="{C183D7F6-B498-43B3-948B-1728B52AA6E4}">
+                <adec:decorative xmlns:adec="http://schemas.microsoft.com/office/drawing/2017/decorative" val="1"/>
+              </a:ext>
+            </a:extLst>
+          </p:cNvPr>
+          <p:cNvSpPr>
+            <a:spLocks noGrp="1" noRot="1" noChangeAspect="1" noMove="1" noResize="1" noEditPoints="1" noAdjustHandles="1" noChangeArrowheads="1" noChangeShapeType="1" noTextEdit="1"/>
+          </p:cNvSpPr>
+          <p:nvPr>
+            <p:extLst>
+              <p:ext uri="{386F3935-93C4-4BCD-93E2-E3B085C9AB24}">
+                <p16:designElem xmlns:p16="http://schemas.microsoft.com/office/powerpoint/2015/main" val="1"/>
+              </p:ext>
+            </p:extLst>
+          </p:nvPr>
+        </p:nvSpPr>
+        <p:spPr>
+          <a:xfrm>
+            <a:off x="0" y="0"/>
+            <a:ext cx="12192000" cy="6858000"/>
+          </a:xfrm>
+          <a:prstGeom prst="rect">
+            <a:avLst/>
+          </a:prstGeom>
+          <a:solidFill>
+            <a:schemeClr val="accent2"/>
+          </a:solidFill>
+          <a:ln>
+            <a:noFill/>
+          </a:ln>
+        </p:spPr>
+        <p:style>
+          <a:lnRef idx="2">
+            <a:schemeClr val="accent1">
+              <a:shade val="50000"/>
+            </a:schemeClr>
+          </a:lnRef>
+          <a:fillRef idx="1">
+            <a:schemeClr val="accent1"/>
+          </a:fillRef>
+          <a:effectRef idx="0">
+            <a:schemeClr val="accent1"/>
+          </a:effectRef>
+          <a:fontRef idx="minor">
+            <a:schemeClr val="lt1"/>
+          </a:fontRef>
+        </p:style>
+        <p:txBody>
+          <a:bodyPr rtlCol="0" anchor="ctr"/>
+          <a:lstStyle/>
+          <a:p>
+            <a:pPr algn="ctr"/>
+            <a:endParaRPr lang="en-US">
+              <a:solidFill>
+                <a:schemeClr val="tx1"/>
+              </a:solidFill>
+            </a:endParaRPr>
+          </a:p>
+        </p:txBody>
+      </p:sp>
+      <p:sp>
+        <p:nvSpPr>
+          <p:cNvPr id="63" name="Arc 51">
+            <a:extLst>
+              <a:ext uri="{FF2B5EF4-FFF2-40B4-BE49-F238E27FC236}">
+                <a16:creationId xmlns:a16="http://schemas.microsoft.com/office/drawing/2014/main" id="{E58B2195-5055-402F-A3E7-53FF0E4980C3}"/>
+              </a:ext>
+              <a:ext uri="{C183D7F6-B498-43B3-948B-1728B52AA6E4}">
+                <adec:decorative xmlns:adec="http://schemas.microsoft.com/office/drawing/2017/decorative" val="1"/>
+              </a:ext>
+            </a:extLst>
+          </p:cNvPr>
+          <p:cNvSpPr>
+            <a:spLocks noGrp="1" noRot="1" noChangeAspect="1" noMove="1" noResize="1" noEditPoints="1" noAdjustHandles="1" noChangeArrowheads="1" noChangeShapeType="1" noTextEdit="1"/>
+          </p:cNvSpPr>
+          <p:nvPr>
+            <p:extLst>
+              <p:ext uri="{386F3935-93C4-4BCD-93E2-E3B085C9AB24}">
+                <p16:designElem xmlns:p16="http://schemas.microsoft.com/office/powerpoint/2015/main" val="1"/>
+              </p:ext>
+            </p:extLst>
+          </p:nvPr>
+        </p:nvSpPr>
+        <p:spPr>
+          <a:xfrm>
+            <a:off x="8525836" y="775849"/>
+            <a:ext cx="2987899" cy="2987899"/>
+          </a:xfrm>
+          <a:prstGeom prst="arc">
+            <a:avLst>
+              <a:gd name="adj1" fmla="val 14441841"/>
+              <a:gd name="adj2" fmla="val 0"/>
+            </a:avLst>
+          </a:prstGeom>
+          <a:ln w="127000" cap="rnd">
+            <a:solidFill>
+              <a:schemeClr val="accent4"/>
+            </a:solidFill>
+            <a:prstDash val="dash"/>
+            <a:miter lim="800000"/>
+          </a:ln>
+        </p:spPr>
+        <p:style>
+          <a:lnRef idx="1">
+            <a:schemeClr val="accent1"/>
+          </a:lnRef>
+          <a:fillRef idx="0">
+            <a:schemeClr val="accent1"/>
+          </a:fillRef>
+          <a:effectRef idx="0">
+            <a:schemeClr val="accent1"/>
+          </a:effectRef>
+          <a:fontRef idx="minor">
+            <a:schemeClr val="tx1"/>
+          </a:fontRef>
+        </p:style>
+        <p:txBody>
+          <a:bodyPr rtlCol="0" anchor="ctr"/>
+          <a:lstStyle/>
+          <a:p>
+            <a:pPr marL="0" marR="0" lvl="0" indent="0" algn="ctr" defTabSz="914400" rtl="0" eaLnBrk="1" fontAlgn="auto" latinLnBrk="0" hangingPunct="1">
+              <a:lnSpc>
+                <a:spcPct val="100000"/>
+              </a:lnSpc>
+              <a:spcBef>
+                <a:spcPts val="0"/>
+              </a:spcBef>
+              <a:spcAft>
+                <a:spcPts val="0"/>
+              </a:spcAft>
+              <a:buClrTx/>
+              <a:buSzTx/>
+              <a:buFontTx/>
+              <a:buNone/>
+              <a:tabLst/>
+              <a:defRPr/>
+            </a:pPr>
+            <a:endParaRPr kumimoji="0" lang="en-US" sz="1800" b="0" i="0" u="none" strike="noStrike" kern="1200" cap="none" spc="0" normalizeH="0" baseline="0" noProof="0">
+              <a:ln>
+                <a:noFill/>
+              </a:ln>
+              <a:solidFill>
+                <a:srgbClr val="000000"/>
+              </a:solidFill>
+              <a:effectLst/>
+              <a:uLnTx/>
+              <a:uFillTx/>
+              <a:latin typeface="Calibri" panose="020F0502020204030204"/>
+              <a:ea typeface="+mn-ea"/>
+              <a:cs typeface="+mn-cs"/>
+            </a:endParaRPr>
+          </a:p>
+        </p:txBody>
+      </p:sp>
+      <p:sp>
+        <p:nvSpPr>
           <p:cNvPr id="2" name="Título 1">
             <a:extLst>
               <a:ext uri="{FF2B5EF4-FFF2-40B4-BE49-F238E27FC236}">
@@ -13335,13 +14342,28 @@
             <p:ph type="title"/>
           </p:nvPr>
         </p:nvSpPr>
-        <p:spPr/>
+        <p:spPr>
+          <a:xfrm>
+            <a:off x="7080738" y="647593"/>
+            <a:ext cx="4467792" cy="3060541"/>
+          </a:xfrm>
+        </p:spPr>
         <p:txBody>
-          <a:bodyPr/>
+          <a:bodyPr vert="horz" lIns="91440" tIns="45720" rIns="91440" bIns="45720" rtlCol="0" anchor="b">
+            <a:normAutofit/>
+          </a:bodyPr>
           <a:lstStyle/>
           <a:p>
+            <a:pPr algn="ctr"/>
             <a:r>
-              <a:rPr lang="es-CO" dirty="0"/>
+              <a:rPr lang="en-US" sz="6000" kern="1200" dirty="0">
+                <a:solidFill>
+                  <a:srgbClr val="FFFFFF"/>
+                </a:solidFill>
+                <a:latin typeface="+mj-lt"/>
+                <a:ea typeface="+mj-ea"/>
+                <a:cs typeface="+mj-cs"/>
+              </a:rPr>
               <a:t>gracias</a:t>
             </a:r>
           </a:p>
@@ -13349,29 +14371,150 @@
       </p:sp>
       <p:sp>
         <p:nvSpPr>
-          <p:cNvPr id="3" name="Marcador de contenido 2">
+          <p:cNvPr id="64" name="Oval 53">
             <a:extLst>
               <a:ext uri="{FF2B5EF4-FFF2-40B4-BE49-F238E27FC236}">
-                <a16:creationId xmlns:a16="http://schemas.microsoft.com/office/drawing/2014/main" id="{220CD9B7-B4C0-12A5-7E27-0417B9D512B1}"/>
+                <a16:creationId xmlns:a16="http://schemas.microsoft.com/office/drawing/2014/main" id="{9EE6F773-742A-491A-9A00-A2A150DF500A}"/>
+              </a:ext>
+              <a:ext uri="{C183D7F6-B498-43B3-948B-1728B52AA6E4}">
+                <adec:decorative xmlns:adec="http://schemas.microsoft.com/office/drawing/2017/decorative" val="1"/>
               </a:ext>
             </a:extLst>
           </p:cNvPr>
           <p:cNvSpPr>
-            <a:spLocks noGrp="1"/>
+            <a:spLocks noGrp="1" noRot="1" noChangeAspect="1" noMove="1" noResize="1" noEditPoints="1" noAdjustHandles="1" noChangeArrowheads="1" noChangeShapeType="1" noTextEdit="1"/>
           </p:cNvSpPr>
           <p:nvPr>
-            <p:ph idx="1"/>
+            <p:extLst>
+              <p:ext uri="{386F3935-93C4-4BCD-93E2-E3B085C9AB24}">
+                <p16:designElem xmlns:p16="http://schemas.microsoft.com/office/powerpoint/2015/main" val="1"/>
+              </p:ext>
+            </p:extLst>
           </p:nvPr>
         </p:nvSpPr>
-        <p:spPr/>
+        <p:spPr>
+          <a:xfrm>
+            <a:off x="384368" y="366810"/>
+            <a:ext cx="6124381" cy="6124381"/>
+          </a:xfrm>
+          <a:prstGeom prst="ellipse">
+            <a:avLst/>
+          </a:prstGeom>
+          <a:solidFill>
+            <a:schemeClr val="bg1"/>
+          </a:solidFill>
+          <a:ln>
+            <a:noFill/>
+          </a:ln>
+        </p:spPr>
+        <p:style>
+          <a:lnRef idx="2">
+            <a:schemeClr val="accent1">
+              <a:shade val="50000"/>
+            </a:schemeClr>
+          </a:lnRef>
+          <a:fillRef idx="1">
+            <a:schemeClr val="accent1"/>
+          </a:fillRef>
+          <a:effectRef idx="0">
+            <a:schemeClr val="accent1"/>
+          </a:effectRef>
+          <a:fontRef idx="minor">
+            <a:schemeClr val="lt1"/>
+          </a:fontRef>
+        </p:style>
         <p:txBody>
-          <a:bodyPr/>
+          <a:bodyPr rtlCol="0" anchor="ctr"/>
           <a:lstStyle/>
           <a:p>
-            <a:endParaRPr lang="es-CO"/>
+            <a:pPr algn="ctr"/>
+            <a:endParaRPr lang="en-US"/>
           </a:p>
         </p:txBody>
       </p:sp>
+      <p:pic>
+        <p:nvPicPr>
+          <p:cNvPr id="25" name="Graphic 24" descr="Apretón de manos">
+            <a:extLst>
+              <a:ext uri="{FF2B5EF4-FFF2-40B4-BE49-F238E27FC236}">
+                <a16:creationId xmlns:a16="http://schemas.microsoft.com/office/drawing/2014/main" id="{B990A1A5-FEFB-9B99-1D8F-0B06F44E781C}"/>
+              </a:ext>
+            </a:extLst>
+          </p:cNvPr>
+          <p:cNvPicPr>
+            <a:picLocks noChangeAspect="1"/>
+          </p:cNvPicPr>
+          <p:nvPr/>
+        </p:nvPicPr>
+        <p:blipFill>
+          <a:blip r:embed="rId2">
+            <a:extLst>
+              <a:ext uri="{28A0092B-C50C-407E-A947-70E740481C1C}">
+                <a14:useLocalDpi xmlns:a14="http://schemas.microsoft.com/office/drawing/2010/main" val="0"/>
+              </a:ext>
+              <a:ext uri="{96DAC541-7B7A-43D3-8B79-37D633B846F1}">
+                <asvg:svgBlip xmlns:asvg="http://schemas.microsoft.com/office/drawing/2016/SVG/main" r:embed="rId3"/>
+              </a:ext>
+            </a:extLst>
+          </a:blip>
+          <a:stretch>
+            <a:fillRect/>
+          </a:stretch>
+        </p:blipFill>
+        <p:spPr>
+          <a:xfrm>
+            <a:off x="1378572" y="1374798"/>
+            <a:ext cx="4108404" cy="4108404"/>
+          </a:xfrm>
+          <a:custGeom>
+            <a:avLst/>
+            <a:gdLst/>
+            <a:ahLst/>
+            <a:cxnLst/>
+            <a:rect l="l" t="t" r="r" b="b"/>
+            <a:pathLst>
+              <a:path w="4273177" h="4470400">
+                <a:moveTo>
+                  <a:pt x="75080" y="0"/>
+                </a:moveTo>
+                <a:lnTo>
+                  <a:pt x="4198097" y="0"/>
+                </a:lnTo>
+                <a:cubicBezTo>
+                  <a:pt x="4239563" y="0"/>
+                  <a:pt x="4273177" y="33614"/>
+                  <a:pt x="4273177" y="75080"/>
+                </a:cubicBezTo>
+                <a:lnTo>
+                  <a:pt x="4273177" y="4395320"/>
+                </a:lnTo>
+                <a:cubicBezTo>
+                  <a:pt x="4273177" y="4436786"/>
+                  <a:pt x="4239563" y="4470400"/>
+                  <a:pt x="4198097" y="4470400"/>
+                </a:cubicBezTo>
+                <a:lnTo>
+                  <a:pt x="75080" y="4470400"/>
+                </a:lnTo>
+                <a:cubicBezTo>
+                  <a:pt x="33614" y="4470400"/>
+                  <a:pt x="0" y="4436786"/>
+                  <a:pt x="0" y="4395320"/>
+                </a:cubicBezTo>
+                <a:lnTo>
+                  <a:pt x="0" y="75080"/>
+                </a:lnTo>
+                <a:cubicBezTo>
+                  <a:pt x="0" y="33614"/>
+                  <a:pt x="33614" y="0"/>
+                  <a:pt x="75080" y="0"/>
+                </a:cubicBezTo>
+                <a:close/>
+              </a:path>
+            </a:pathLst>
+          </a:custGeom>
+        </p:spPr>
+      </p:pic>
     </p:spTree>
     <p:extLst>
       <p:ext uri="{BB962C8B-B14F-4D97-AF65-F5344CB8AC3E}">
@@ -13382,13 +14525,13 @@
   <p:clrMapOvr>
     <a:masterClrMapping/>
   </p:clrMapOvr>
-  <mc:AlternateContent xmlns:mc="http://schemas.openxmlformats.org/markup-compatibility/2006">
-    <mc:Choice xmlns:p14="http://schemas.microsoft.com/office/powerpoint/2010/main" Requires="p14">
+  <mc:AlternateContent xmlns:mc="http://schemas.openxmlformats.org/markup-compatibility/2006" xmlns:p14="http://schemas.microsoft.com/office/powerpoint/2010/main">
+    <mc:Choice Requires="p14">
       <p:transition spd="slow" p14:dur="1200">
         <p14:prism/>
       </p:transition>
     </mc:Choice>
-    <mc:Fallback>
+    <mc:Fallback xmlns="">
       <p:transition spd="slow">
         <p:fade/>
       </p:transition>
@@ -33350,13 +34493,13 @@
   <p:clrMapOvr>
     <a:masterClrMapping/>
   </p:clrMapOvr>
-  <mc:AlternateContent xmlns:mc="http://schemas.openxmlformats.org/markup-compatibility/2006">
-    <mc:Choice xmlns:p15="http://schemas.microsoft.com/office/powerpoint/2012/main" Requires="p15">
+  <mc:AlternateContent xmlns:mc="http://schemas.openxmlformats.org/markup-compatibility/2006" xmlns:p15="http://schemas.microsoft.com/office/powerpoint/2012/main">
+    <mc:Choice Requires="p15">
       <p:transition xmlns:p14="http://schemas.microsoft.com/office/powerpoint/2010/main" spd="slow" p14:dur="1250">
         <p15:prstTrans prst="pageCurlDouble"/>
       </p:transition>
     </mc:Choice>
-    <mc:Fallback>
+    <mc:Fallback xmlns="">
       <p:transition spd="slow">
         <p:fade/>
       </p:transition>
@@ -34080,13 +35223,13 @@
   <p:clrMapOvr>
     <a:masterClrMapping/>
   </p:clrMapOvr>
-  <mc:AlternateContent xmlns:mc="http://schemas.openxmlformats.org/markup-compatibility/2006">
-    <mc:Choice xmlns:p15="http://schemas.microsoft.com/office/powerpoint/2012/main" Requires="p15">
+  <mc:AlternateContent xmlns:mc="http://schemas.openxmlformats.org/markup-compatibility/2006" xmlns:p15="http://schemas.microsoft.com/office/powerpoint/2012/main">
+    <mc:Choice Requires="p15">
       <p:transition xmlns:p14="http://schemas.microsoft.com/office/powerpoint/2010/main" spd="slow" p14:dur="1250">
         <p15:prstTrans prst="pageCurlDouble"/>
       </p:transition>
     </mc:Choice>
-    <mc:Fallback>
+    <mc:Fallback xmlns="">
       <p:transition spd="slow">
         <p:fade/>
       </p:transition>
@@ -34514,6 +35657,13 @@
                 <a:latin typeface="Arial" panose="020B0604020202020204" pitchFamily="34" charset="0"/>
                 <a:ea typeface="Arial MT"/>
                 <a:cs typeface="Arial MT"/>
+                <a:hlinkClick r:id="rId7" action="ppaction://hlinksldjump">
+                  <a:extLst>
+                    <a:ext uri="{A12FA001-AC4F-418D-AE19-62706E023703}">
+                      <ahyp:hlinkClr xmlns:ahyp="http://schemas.microsoft.com/office/drawing/2018/hyperlinkcolor" val="tx"/>
+                    </a:ext>
+                  </a:extLst>
+                </a:hlinkClick>
               </a:rPr>
               <a:t>Microservicios</a:t>
             </a:r>
@@ -34531,6 +35681,13 @@
                 <a:latin typeface="Arial" panose="020B0604020202020204" pitchFamily="34" charset="0"/>
                 <a:ea typeface="Arial MT"/>
                 <a:cs typeface="Arial MT"/>
+                <a:hlinkClick r:id="rId8" action="ppaction://hlinksldjump">
+                  <a:extLst>
+                    <a:ext uri="{A12FA001-AC4F-418D-AE19-62706E023703}">
+                      <ahyp:hlinkClr xmlns:ahyp="http://schemas.microsoft.com/office/drawing/2018/hyperlinkcolor" val="tx"/>
+                    </a:ext>
+                  </a:extLst>
+                </a:hlinkClick>
               </a:rPr>
               <a:t>Arquitectura monolítica</a:t>
             </a:r>
@@ -34571,7 +35728,7 @@
                 <a:solidFill>
                   <a:schemeClr val="accent2"/>
                 </a:solidFill>
-                <a:hlinkClick r:id="rId7" action="ppaction://hlinksldjump">
+                <a:hlinkClick r:id="rId9" action="ppaction://hlinksldjump">
                   <a:extLst>
                     <a:ext uri="{A12FA001-AC4F-418D-AE19-62706E023703}">
                       <ahyp:hlinkClr xmlns:ahyp="http://schemas.microsoft.com/office/drawing/2018/hyperlinkcolor" val="tx"/>
@@ -35421,13 +36578,13 @@
   <p:clrMapOvr>
     <a:masterClrMapping/>
   </p:clrMapOvr>
-  <mc:AlternateContent xmlns:mc="http://schemas.openxmlformats.org/markup-compatibility/2006">
-    <mc:Choice xmlns:p15="http://schemas.microsoft.com/office/powerpoint/2012/main" Requires="p15">
+  <mc:AlternateContent xmlns:mc="http://schemas.openxmlformats.org/markup-compatibility/2006" xmlns:p15="http://schemas.microsoft.com/office/powerpoint/2012/main">
+    <mc:Choice Requires="p15">
       <p:transition xmlns:p14="http://schemas.microsoft.com/office/powerpoint/2010/main" spd="slow" p14:dur="1250">
         <p15:prstTrans prst="pageCurlDouble"/>
       </p:transition>
     </mc:Choice>
-    <mc:Fallback>
+    <mc:Fallback xmlns="">
       <p:transition spd="slow">
         <p:fade/>
       </p:transition>
@@ -35751,9 +36908,324 @@
 </a:theme>
 </file>
 
+<file path=ppt/theme/theme2.xml><?xml version="1.0" encoding="utf-8"?>
+<a:theme xmlns:a="http://schemas.openxmlformats.org/drawingml/2006/main" name="Tema de Office">
+  <a:themeElements>
+    <a:clrScheme name="Office">
+      <a:dk1>
+        <a:sysClr val="windowText" lastClr="000000"/>
+      </a:dk1>
+      <a:lt1>
+        <a:sysClr val="window" lastClr="FFFFFF"/>
+      </a:lt1>
+      <a:dk2>
+        <a:srgbClr val="0E2841"/>
+      </a:dk2>
+      <a:lt2>
+        <a:srgbClr val="E8E8E8"/>
+      </a:lt2>
+      <a:accent1>
+        <a:srgbClr val="156082"/>
+      </a:accent1>
+      <a:accent2>
+        <a:srgbClr val="E97132"/>
+      </a:accent2>
+      <a:accent3>
+        <a:srgbClr val="196B24"/>
+      </a:accent3>
+      <a:accent4>
+        <a:srgbClr val="0F9ED5"/>
+      </a:accent4>
+      <a:accent5>
+        <a:srgbClr val="A02B93"/>
+      </a:accent5>
+      <a:accent6>
+        <a:srgbClr val="4EA72E"/>
+      </a:accent6>
+      <a:hlink>
+        <a:srgbClr val="467886"/>
+      </a:hlink>
+      <a:folHlink>
+        <a:srgbClr val="96607D"/>
+      </a:folHlink>
+    </a:clrScheme>
+    <a:fontScheme name="Office">
+      <a:majorFont>
+        <a:latin typeface="Aptos Display" panose="02110004020202020204"/>
+        <a:ea typeface=""/>
+        <a:cs typeface=""/>
+        <a:font script="Jpan" typeface="游ゴシック Light"/>
+        <a:font script="Hang" typeface="맑은 고딕"/>
+        <a:font script="Hans" typeface="等线 Light"/>
+        <a:font script="Hant" typeface="新細明體"/>
+        <a:font script="Arab" typeface="Times New Roman"/>
+        <a:font script="Hebr" typeface="Times New Roman"/>
+        <a:font script="Thai" typeface="Angsana New"/>
+        <a:font script="Ethi" typeface="Nyala"/>
+        <a:font script="Beng" typeface="Vrinda"/>
+        <a:font script="Gujr" typeface="Shruti"/>
+        <a:font script="Khmr" typeface="MoolBoran"/>
+        <a:font script="Knda" typeface="Tunga"/>
+        <a:font script="Guru" typeface="Raavi"/>
+        <a:font script="Cans" typeface="Euphemia"/>
+        <a:font script="Cher" typeface="Plantagenet Cherokee"/>
+        <a:font script="Yiii" typeface="Microsoft Yi Baiti"/>
+        <a:font script="Tibt" typeface="Microsoft Himalaya"/>
+        <a:font script="Thaa" typeface="MV Boli"/>
+        <a:font script="Deva" typeface="Mangal"/>
+        <a:font script="Telu" typeface="Gautami"/>
+        <a:font script="Taml" typeface="Latha"/>
+        <a:font script="Syrc" typeface="Estrangelo Edessa"/>
+        <a:font script="Orya" typeface="Kalinga"/>
+        <a:font script="Mlym" typeface="Kartika"/>
+        <a:font script="Laoo" typeface="DokChampa"/>
+        <a:font script="Sinh" typeface="Iskoola Pota"/>
+        <a:font script="Mong" typeface="Mongolian Baiti"/>
+        <a:font script="Viet" typeface="Times New Roman"/>
+        <a:font script="Uigh" typeface="Microsoft Uighur"/>
+        <a:font script="Geor" typeface="Sylfaen"/>
+        <a:font script="Armn" typeface="Arial"/>
+        <a:font script="Bugi" typeface="Leelawadee UI"/>
+        <a:font script="Bopo" typeface="Microsoft JhengHei"/>
+        <a:font script="Java" typeface="Javanese Text"/>
+        <a:font script="Lisu" typeface="Segoe UI"/>
+        <a:font script="Mymr" typeface="Myanmar Text"/>
+        <a:font script="Nkoo" typeface="Ebrima"/>
+        <a:font script="Olck" typeface="Nirmala UI"/>
+        <a:font script="Osma" typeface="Ebrima"/>
+        <a:font script="Phag" typeface="Phagspa"/>
+        <a:font script="Syrn" typeface="Estrangelo Edessa"/>
+        <a:font script="Syrj" typeface="Estrangelo Edessa"/>
+        <a:font script="Syre" typeface="Estrangelo Edessa"/>
+        <a:font script="Sora" typeface="Nirmala UI"/>
+        <a:font script="Tale" typeface="Microsoft Tai Le"/>
+        <a:font script="Talu" typeface="Microsoft New Tai Lue"/>
+        <a:font script="Tfng" typeface="Ebrima"/>
+      </a:majorFont>
+      <a:minorFont>
+        <a:latin typeface="Aptos" panose="02110004020202020204"/>
+        <a:ea typeface=""/>
+        <a:cs typeface=""/>
+        <a:font script="Jpan" typeface="游ゴシック"/>
+        <a:font script="Hang" typeface="맑은 고딕"/>
+        <a:font script="Hans" typeface="等线"/>
+        <a:font script="Hant" typeface="新細明體"/>
+        <a:font script="Arab" typeface="Arial"/>
+        <a:font script="Hebr" typeface="Arial"/>
+        <a:font script="Thai" typeface="Cordia New"/>
+        <a:font script="Ethi" typeface="Nyala"/>
+        <a:font script="Beng" typeface="Vrinda"/>
+        <a:font script="Gujr" typeface="Shruti"/>
+        <a:font script="Khmr" typeface="DaunPenh"/>
+        <a:font script="Knda" typeface="Tunga"/>
+        <a:font script="Guru" typeface="Raavi"/>
+        <a:font script="Cans" typeface="Euphemia"/>
+        <a:font script="Cher" typeface="Plantagenet Cherokee"/>
+        <a:font script="Yiii" typeface="Microsoft Yi Baiti"/>
+        <a:font script="Tibt" typeface="Microsoft Himalaya"/>
+        <a:font script="Thaa" typeface="MV Boli"/>
+        <a:font script="Deva" typeface="Mangal"/>
+        <a:font script="Telu" typeface="Gautami"/>
+        <a:font script="Taml" typeface="Latha"/>
+        <a:font script="Syrc" typeface="Estrangelo Edessa"/>
+        <a:font script="Orya" typeface="Kalinga"/>
+        <a:font script="Mlym" typeface="Kartika"/>
+        <a:font script="Laoo" typeface="DokChampa"/>
+        <a:font script="Sinh" typeface="Iskoola Pota"/>
+        <a:font script="Mong" typeface="Mongolian Baiti"/>
+        <a:font script="Viet" typeface="Arial"/>
+        <a:font script="Uigh" typeface="Microsoft Uighur"/>
+        <a:font script="Geor" typeface="Sylfaen"/>
+        <a:font script="Armn" typeface="Arial"/>
+        <a:font script="Bugi" typeface="Leelawadee UI"/>
+        <a:font script="Bopo" typeface="Microsoft JhengHei"/>
+        <a:font script="Java" typeface="Javanese Text"/>
+        <a:font script="Lisu" typeface="Segoe UI"/>
+        <a:font script="Mymr" typeface="Myanmar Text"/>
+        <a:font script="Nkoo" typeface="Ebrima"/>
+        <a:font script="Olck" typeface="Nirmala UI"/>
+        <a:font script="Osma" typeface="Ebrima"/>
+        <a:font script="Phag" typeface="Phagspa"/>
+        <a:font script="Syrn" typeface="Estrangelo Edessa"/>
+        <a:font script="Syrj" typeface="Estrangelo Edessa"/>
+        <a:font script="Syre" typeface="Estrangelo Edessa"/>
+        <a:font script="Sora" typeface="Nirmala UI"/>
+        <a:font script="Tale" typeface="Microsoft Tai Le"/>
+        <a:font script="Talu" typeface="Microsoft New Tai Lue"/>
+        <a:font script="Tfng" typeface="Ebrima"/>
+      </a:minorFont>
+    </a:fontScheme>
+    <a:fmtScheme name="Office">
+      <a:fillStyleLst>
+        <a:solidFill>
+          <a:schemeClr val="phClr"/>
+        </a:solidFill>
+        <a:gradFill rotWithShape="1">
+          <a:gsLst>
+            <a:gs pos="0">
+              <a:schemeClr val="phClr">
+                <a:lumMod val="110000"/>
+                <a:satMod val="105000"/>
+                <a:tint val="67000"/>
+              </a:schemeClr>
+            </a:gs>
+            <a:gs pos="50000">
+              <a:schemeClr val="phClr">
+                <a:lumMod val="105000"/>
+                <a:satMod val="103000"/>
+                <a:tint val="73000"/>
+              </a:schemeClr>
+            </a:gs>
+            <a:gs pos="100000">
+              <a:schemeClr val="phClr">
+                <a:lumMod val="105000"/>
+                <a:satMod val="109000"/>
+                <a:tint val="81000"/>
+              </a:schemeClr>
+            </a:gs>
+          </a:gsLst>
+          <a:lin ang="5400000" scaled="0"/>
+        </a:gradFill>
+        <a:gradFill rotWithShape="1">
+          <a:gsLst>
+            <a:gs pos="0">
+              <a:schemeClr val="phClr">
+                <a:satMod val="103000"/>
+                <a:lumMod val="102000"/>
+                <a:tint val="94000"/>
+              </a:schemeClr>
+            </a:gs>
+            <a:gs pos="50000">
+              <a:schemeClr val="phClr">
+                <a:satMod val="110000"/>
+                <a:lumMod val="100000"/>
+                <a:shade val="100000"/>
+              </a:schemeClr>
+            </a:gs>
+            <a:gs pos="100000">
+              <a:schemeClr val="phClr">
+                <a:lumMod val="99000"/>
+                <a:satMod val="120000"/>
+                <a:shade val="78000"/>
+              </a:schemeClr>
+            </a:gs>
+          </a:gsLst>
+          <a:lin ang="5400000" scaled="0"/>
+        </a:gradFill>
+      </a:fillStyleLst>
+      <a:lnStyleLst>
+        <a:ln w="12700" cap="flat" cmpd="sng" algn="ctr">
+          <a:solidFill>
+            <a:schemeClr val="phClr"/>
+          </a:solidFill>
+          <a:prstDash val="solid"/>
+          <a:miter lim="800000"/>
+        </a:ln>
+        <a:ln w="19050" cap="flat" cmpd="sng" algn="ctr">
+          <a:solidFill>
+            <a:schemeClr val="phClr"/>
+          </a:solidFill>
+          <a:prstDash val="solid"/>
+          <a:miter lim="800000"/>
+        </a:ln>
+        <a:ln w="25400" cap="flat" cmpd="sng" algn="ctr">
+          <a:solidFill>
+            <a:schemeClr val="phClr"/>
+          </a:solidFill>
+          <a:prstDash val="solid"/>
+          <a:miter lim="800000"/>
+        </a:ln>
+      </a:lnStyleLst>
+      <a:effectStyleLst>
+        <a:effectStyle>
+          <a:effectLst/>
+        </a:effectStyle>
+        <a:effectStyle>
+          <a:effectLst/>
+        </a:effectStyle>
+        <a:effectStyle>
+          <a:effectLst>
+            <a:outerShdw blurRad="57150" dist="19050" dir="5400000" algn="ctr" rotWithShape="0">
+              <a:srgbClr val="000000">
+                <a:alpha val="63000"/>
+              </a:srgbClr>
+            </a:outerShdw>
+          </a:effectLst>
+        </a:effectStyle>
+      </a:effectStyleLst>
+      <a:bgFillStyleLst>
+        <a:solidFill>
+          <a:schemeClr val="phClr"/>
+        </a:solidFill>
+        <a:solidFill>
+          <a:schemeClr val="phClr">
+            <a:tint val="95000"/>
+            <a:satMod val="170000"/>
+          </a:schemeClr>
+        </a:solidFill>
+        <a:gradFill rotWithShape="1">
+          <a:gsLst>
+            <a:gs pos="0">
+              <a:schemeClr val="phClr">
+                <a:tint val="93000"/>
+                <a:satMod val="150000"/>
+                <a:shade val="98000"/>
+                <a:lumMod val="102000"/>
+              </a:schemeClr>
+            </a:gs>
+            <a:gs pos="50000">
+              <a:schemeClr val="phClr">
+                <a:tint val="98000"/>
+                <a:satMod val="130000"/>
+                <a:shade val="90000"/>
+                <a:lumMod val="103000"/>
+              </a:schemeClr>
+            </a:gs>
+            <a:gs pos="100000">
+              <a:schemeClr val="phClr">
+                <a:shade val="63000"/>
+                <a:satMod val="120000"/>
+              </a:schemeClr>
+            </a:gs>
+          </a:gsLst>
+          <a:lin ang="5400000" scaled="0"/>
+        </a:gradFill>
+      </a:bgFillStyleLst>
+    </a:fmtScheme>
+  </a:themeElements>
+  <a:objectDefaults>
+    <a:lnDef>
+      <a:spPr/>
+      <a:bodyPr/>
+      <a:lstStyle/>
+      <a:style>
+        <a:lnRef idx="2">
+          <a:schemeClr val="accent1"/>
+        </a:lnRef>
+        <a:fillRef idx="0">
+          <a:schemeClr val="accent1"/>
+        </a:fillRef>
+        <a:effectRef idx="1">
+          <a:schemeClr val="accent1"/>
+        </a:effectRef>
+        <a:fontRef idx="minor">
+          <a:schemeClr val="tx1"/>
+        </a:fontRef>
+      </a:style>
+    </a:lnDef>
+  </a:objectDefaults>
+  <a:extraClrSchemeLst/>
+  <a:extLst>
+    <a:ext uri="{05A4C25C-085E-4340-85A3-A5531E510DB2}">
+      <thm15:themeFamily xmlns:thm15="http://schemas.microsoft.com/office/thememl/2012/main" name="Office Theme" id="{2E142A2C-CD16-42D6-873A-C26D2A0506FA}" vid="{1BDDFF52-6CD6-40A5-AB3C-68EB2F1E4D0A}"/>
+    </a:ext>
+  </a:extLst>
+</a:theme>
+</file>
+
 <file path=ppt/webextensions/taskpanes.xml><?xml version="1.0" encoding="utf-8"?>
 <wetp:taskpanes xmlns:wetp="http://schemas.microsoft.com/office/webextensions/taskpanes/2010/11">
-  <wetp:taskpane dockstate="right" visibility="0" width="350" row="3">
+  <wetp:taskpane dockstate="right" visibility="0" width="350" row="1">
     <wetp:webextensionref xmlns:r="http://schemas.openxmlformats.org/officeDocument/2006/relationships" r:id="rId1"/>
   </wetp:taskpane>
 </wetp:taskpanes>

--- a/carlos/Arquitectura de diseño de programacion.pptx
+++ b/carlos/Arquitectura de diseño de programacion.pptx
@@ -6356,7 +6356,7 @@
           <a:p>
             <a:fld id="{0FB39FF9-DC70-47EF-9A12-03CD10829EA7}" type="datetimeFigureOut">
               <a:rPr lang="es-CO" smtClean="0"/>
-              <a:t>21/02/2025</a:t>
+              <a:t>26/02/2025</a:t>
             </a:fld>
             <a:endParaRPr lang="es-CO"/>
           </a:p>
@@ -6857,7 +6857,7 @@
           <a:p>
             <a:fld id="{FB512623-54C2-4DEA-A5AF-4CFCE58EC541}" type="datetimeFigureOut">
               <a:rPr lang="es-CO" smtClean="0"/>
-              <a:t>21/02/2025</a:t>
+              <a:t>26/02/2025</a:t>
             </a:fld>
             <a:endParaRPr lang="es-CO"/>
           </a:p>
@@ -7057,7 +7057,7 @@
           <a:p>
             <a:fld id="{FB512623-54C2-4DEA-A5AF-4CFCE58EC541}" type="datetimeFigureOut">
               <a:rPr lang="es-CO" smtClean="0"/>
-              <a:t>21/02/2025</a:t>
+              <a:t>26/02/2025</a:t>
             </a:fld>
             <a:endParaRPr lang="es-CO"/>
           </a:p>
@@ -7267,7 +7267,7 @@
           <a:p>
             <a:fld id="{FB512623-54C2-4DEA-A5AF-4CFCE58EC541}" type="datetimeFigureOut">
               <a:rPr lang="es-CO" smtClean="0"/>
-              <a:t>21/02/2025</a:t>
+              <a:t>26/02/2025</a:t>
             </a:fld>
             <a:endParaRPr lang="es-CO"/>
           </a:p>
@@ -7467,7 +7467,7 @@
           <a:p>
             <a:fld id="{FB512623-54C2-4DEA-A5AF-4CFCE58EC541}" type="datetimeFigureOut">
               <a:rPr lang="es-CO" smtClean="0"/>
-              <a:t>21/02/2025</a:t>
+              <a:t>26/02/2025</a:t>
             </a:fld>
             <a:endParaRPr lang="es-CO"/>
           </a:p>
@@ -7743,7 +7743,7 @@
           <a:p>
             <a:fld id="{FB512623-54C2-4DEA-A5AF-4CFCE58EC541}" type="datetimeFigureOut">
               <a:rPr lang="es-CO" smtClean="0"/>
-              <a:t>21/02/2025</a:t>
+              <a:t>26/02/2025</a:t>
             </a:fld>
             <a:endParaRPr lang="es-CO"/>
           </a:p>
@@ -8011,7 +8011,7 @@
           <a:p>
             <a:fld id="{FB512623-54C2-4DEA-A5AF-4CFCE58EC541}" type="datetimeFigureOut">
               <a:rPr lang="es-CO" smtClean="0"/>
-              <a:t>21/02/2025</a:t>
+              <a:t>26/02/2025</a:t>
             </a:fld>
             <a:endParaRPr lang="es-CO"/>
           </a:p>
@@ -8426,7 +8426,7 @@
           <a:p>
             <a:fld id="{FB512623-54C2-4DEA-A5AF-4CFCE58EC541}" type="datetimeFigureOut">
               <a:rPr lang="es-CO" smtClean="0"/>
-              <a:t>21/02/2025</a:t>
+              <a:t>26/02/2025</a:t>
             </a:fld>
             <a:endParaRPr lang="es-CO"/>
           </a:p>
@@ -8568,7 +8568,7 @@
           <a:p>
             <a:fld id="{FB512623-54C2-4DEA-A5AF-4CFCE58EC541}" type="datetimeFigureOut">
               <a:rPr lang="es-CO" smtClean="0"/>
-              <a:t>21/02/2025</a:t>
+              <a:t>26/02/2025</a:t>
             </a:fld>
             <a:endParaRPr lang="es-CO"/>
           </a:p>
@@ -8681,7 +8681,7 @@
           <a:p>
             <a:fld id="{FB512623-54C2-4DEA-A5AF-4CFCE58EC541}" type="datetimeFigureOut">
               <a:rPr lang="es-CO" smtClean="0"/>
-              <a:t>21/02/2025</a:t>
+              <a:t>26/02/2025</a:t>
             </a:fld>
             <a:endParaRPr lang="es-CO"/>
           </a:p>
@@ -8994,7 +8994,7 @@
           <a:p>
             <a:fld id="{FB512623-54C2-4DEA-A5AF-4CFCE58EC541}" type="datetimeFigureOut">
               <a:rPr lang="es-CO" smtClean="0"/>
-              <a:t>21/02/2025</a:t>
+              <a:t>26/02/2025</a:t>
             </a:fld>
             <a:endParaRPr lang="es-CO"/>
           </a:p>
@@ -9283,7 +9283,7 @@
           <a:p>
             <a:fld id="{FB512623-54C2-4DEA-A5AF-4CFCE58EC541}" type="datetimeFigureOut">
               <a:rPr lang="es-CO" smtClean="0"/>
-              <a:t>21/02/2025</a:t>
+              <a:t>26/02/2025</a:t>
             </a:fld>
             <a:endParaRPr lang="es-CO"/>
           </a:p>
@@ -9526,7 +9526,7 @@
           <a:p>
             <a:fld id="{FB512623-54C2-4DEA-A5AF-4CFCE58EC541}" type="datetimeFigureOut">
               <a:rPr lang="es-CO" smtClean="0"/>
-              <a:t>21/02/2025</a:t>
+              <a:t>26/02/2025</a:t>
             </a:fld>
             <a:endParaRPr lang="es-CO"/>
           </a:p>
@@ -10511,12 +10511,12 @@
           <a:p>
             <a:pPr algn="l"/>
             <a:r>
-              <a:rPr lang="es-CO" sz="4800">
+              <a:rPr lang="es-CO" sz="4800" dirty="0">
                 <a:solidFill>
                   <a:srgbClr val="FFFFFF"/>
                 </a:solidFill>
               </a:rPr>
-              <a:t>Arquitectura de diseño de programacion</a:t>
+              <a:t>Arquitectura de diseño de programación</a:t>
             </a:r>
           </a:p>
         </p:txBody>
@@ -14101,15 +14101,7 @@
           <a:p>
             <a:r>
               <a:rPr lang="es-ES" sz="2000" dirty="0"/>
-              <a:t>Diferencias </a:t>
-            </a:r>
-            <a:r>
-              <a:rPr lang="es-ES" sz="2000" dirty="0" err="1"/>
-              <a:t>clave:Arquitectura</a:t>
-            </a:r>
-            <a:r>
-              <a:rPr lang="es-ES" sz="2000" dirty="0"/>
-              <a:t>: Toma decisiones globales y estratégicas (como elegir entre microservicios o monolítica).Diseño de Software: Se enfoca en detalles del código, cómo resolver problemas específicos dentro de la estructura definida.</a:t>
+              <a:t>Diferencias clave: Arquitectura: Toma decisiones globales y estratégicas (como elegir entre microservicios o monolítica).Diseño de Software: Se enfoca en detalles del código, cómo resolver problemas específicos dentro de la estructura definida.</a:t>
             </a:r>
             <a:endParaRPr lang="es-CO" sz="2000" dirty="0"/>
           </a:p>
@@ -14356,6 +14348,14 @@
           <a:p>
             <a:pPr algn="ctr"/>
             <a:r>
+              <a:rPr lang="en-US" sz="6000" dirty="0">
+                <a:solidFill>
+                  <a:srgbClr val="FFFFFF"/>
+                </a:solidFill>
+              </a:rPr>
+              <a:t>G</a:t>
+            </a:r>
+            <a:r>
               <a:rPr lang="en-US" sz="6000" kern="1200" dirty="0">
                 <a:solidFill>
                   <a:srgbClr val="FFFFFF"/>
@@ -14364,7 +14364,7 @@
                 <a:ea typeface="+mj-ea"/>
                 <a:cs typeface="+mj-cs"/>
               </a:rPr>
-              <a:t>gracias</a:t>
+              <a:t>racias</a:t>
             </a:r>
           </a:p>
         </p:txBody>
@@ -35756,13 +35756,13 @@
   <p:clrMapOvr>
     <a:masterClrMapping/>
   </p:clrMapOvr>
-  <mc:AlternateContent xmlns:mc="http://schemas.openxmlformats.org/markup-compatibility/2006">
-    <mc:Choice xmlns:p15="http://schemas.microsoft.com/office/powerpoint/2012/main" Requires="p15">
+  <mc:AlternateContent xmlns:mc="http://schemas.openxmlformats.org/markup-compatibility/2006" xmlns:p15="http://schemas.microsoft.com/office/powerpoint/2012/main">
+    <mc:Choice Requires="p15">
       <p:transition xmlns:p14="http://schemas.microsoft.com/office/powerpoint/2010/main" spd="slow" p14:dur="1250">
         <p15:prstTrans prst="pageCurlDouble"/>
       </p:transition>
     </mc:Choice>
-    <mc:Fallback>
+    <mc:Fallback xmlns="">
       <p:transition spd="slow">
         <p:fade/>
       </p:transition>
